--- a/EventManagerPro.pptx
+++ b/EventManagerPro.pptx
@@ -11,36 +11,37 @@
     <p:sldId id="259" r:id="rId5"/>
     <p:sldId id="260" r:id="rId6"/>
     <p:sldId id="261" r:id="rId7"/>
+    <p:sldId id="262" r:id="rId8"/>
   </p:sldIdLst>
   <p:notesMasterIdLst>
-    <p:notesMasterId r:id="rId8"/>
+    <p:notesMasterId r:id="rId9"/>
   </p:notesMasterIdLst>
   <p:sldSz cx="14630400" cy="8229600"/>
   <p:notesSz cx="8229600" cy="14630400"/>
   <p:embeddedFontLst>
     <p:embeddedFont>
-      <p:font typeface="Alexandria"/>
-      <p:regular r:id="rId13"/>
-    </p:embeddedFont>
-    <p:embeddedFont>
-      <p:font typeface="Alexandria"/>
+      <p:font typeface="Anton"/>
       <p:regular r:id="rId14"/>
     </p:embeddedFont>
     <p:embeddedFont>
-      <p:font typeface="Nobile"/>
+      <p:font typeface="Anton"/>
       <p:regular r:id="rId15"/>
     </p:embeddedFont>
     <p:embeddedFont>
-      <p:font typeface="Nobile"/>
+      <p:font typeface="Fira Sans"/>
       <p:regular r:id="rId16"/>
     </p:embeddedFont>
     <p:embeddedFont>
-      <p:font typeface="Nobile"/>
+      <p:font typeface="Fira Sans"/>
       <p:regular r:id="rId17"/>
     </p:embeddedFont>
     <p:embeddedFont>
-      <p:font typeface="Nobile"/>
+      <p:font typeface="Fira Sans"/>
       <p:regular r:id="rId18"/>
+    </p:embeddedFont>
+    <p:embeddedFont>
+      <p:font typeface="Fira Sans"/>
+      <p:regular r:id="rId19"/>
     </p:embeddedFont>
   </p:embeddedFontLst>
 </p:presentation>
@@ -923,6 +924,94 @@
 </p:notes>
 </file>
 
+<file path=ppt/notesSlides/notesSlide7.xml><?xml version="1.0" encoding="utf-8"?>
+<p:notes xmlns:a="http://schemas.openxmlformats.org/drawingml/2006/main" xmlns:r="http://schemas.openxmlformats.org/officeDocument/2006/relationships" xmlns:p="http://schemas.openxmlformats.org/presentationml/2006/main">
+  <p:cSld>
+    <p:spTree>
+      <p:nvGrpSpPr>
+        <p:cNvPr id="1" name=""/>
+        <p:cNvGrpSpPr/>
+        <p:nvPr/>
+      </p:nvGrpSpPr>
+      <p:grpSpPr>
+        <a:xfrm>
+          <a:off x="0" y="0"/>
+          <a:ext cx="0" cy="0"/>
+          <a:chOff x="0" y="0"/>
+          <a:chExt cx="0" cy="0"/>
+        </a:xfrm>
+      </p:grpSpPr>
+      <p:sp>
+        <p:nvSpPr>
+          <p:cNvPr id="2" name="Slide Image Placeholder 1"/>
+          <p:cNvSpPr>
+            <a:spLocks noGrp="1" noRot="1" noChangeAspect="1"/>
+          </p:cNvSpPr>
+          <p:nvPr>
+            <p:ph type="sldImg"/>
+          </p:nvPr>
+        </p:nvSpPr>
+        <p:spPr/>
+      </p:sp>
+      <p:sp>
+        <p:nvSpPr>
+          <p:cNvPr id="3" name="Notes Placeholder 2"/>
+          <p:cNvSpPr>
+            <a:spLocks noGrp="1"/>
+          </p:cNvSpPr>
+          <p:nvPr>
+            <p:ph type="body" idx="1"/>
+          </p:nvPr>
+        </p:nvSpPr>
+        <p:spPr/>
+        <p:txBody>
+          <a:bodyPr/>
+          <a:lstStyle/>
+          <a:p>
+            <a:r>
+              <a:rPr lang="en-US" dirty="0"/>
+              <a:t/>
+            </a:r>
+            <a:endParaRPr lang="en-US" dirty="0"/>
+          </a:p>
+        </p:txBody>
+      </p:sp>
+      <p:sp>
+        <p:nvSpPr>
+          <p:cNvPr id="4" name="Slide Number Placeholder 3"/>
+          <p:cNvSpPr>
+            <a:spLocks noGrp="1"/>
+          </p:cNvSpPr>
+          <p:nvPr>
+            <p:ph type="sldNum" sz="quarter" idx="10"/>
+          </p:nvPr>
+        </p:nvSpPr>
+        <p:spPr/>
+        <p:txBody>
+          <a:bodyPr/>
+          <a:lstStyle/>
+          <a:p>
+            <a:fld id="{F7021451-1387-4CA6-816F-3879F97B5CBC}" type="slidenum">
+              <a:rPr lang="en-US"/>
+              <a:t>7</a:t>
+            </a:fld>
+            <a:endParaRPr lang="en-US"/>
+          </a:p>
+        </p:txBody>
+      </p:sp>
+    </p:spTree>
+    <p:extLst>
+      <p:ext uri="{BB962C8B-B14F-4D97-AF65-F5344CB8AC3E}">
+        <p14:creationId xmlns:p14="http://schemas.microsoft.com/office/powerpoint/2010/main" val="1024086991"/>
+      </p:ext>
+    </p:extLst>
+  </p:cSld>
+  <p:clrMapOvr>
+    <a:masterClrMapping/>
+  </p:clrMapOvr>
+</p:notes>
+</file>
+
 <file path=ppt/slideLayouts/slideLayout1.xml><?xml version="1.0" encoding="utf-8"?>
 <p:sldLayout xmlns:a="http://schemas.openxmlformats.org/drawingml/2006/main" xmlns:r="http://schemas.openxmlformats.org/officeDocument/2006/relationships" xmlns:p="http://schemas.openxmlformats.org/presentationml/2006/main" preserve="1">
   <p:cSld name="DEFAULT">
@@ -985,7 +1074,7 @@
             <a:avLst/>
           </a:prstGeom>
           <a:solidFill>
-            <a:srgbClr val="5C73E6"/>
+            <a:srgbClr val="121212"/>
           </a:solidFill>
           <a:ln/>
         </p:spPr>
@@ -1005,7 +1094,7 @@
             <a:avLst/>
           </a:prstGeom>
           <a:solidFill>
-            <a:srgbClr val="F9F9FF"/>
+            <a:srgbClr val="1F1F1F"/>
           </a:solidFill>
           <a:ln/>
         </p:spPr>
@@ -1076,7 +1165,7 @@
             <a:avLst/>
           </a:prstGeom>
           <a:solidFill>
-            <a:srgbClr val="5C73E6"/>
+            <a:srgbClr val="121212"/>
           </a:solidFill>
           <a:ln/>
         </p:spPr>
@@ -1096,7 +1185,7 @@
             <a:avLst/>
           </a:prstGeom>
           <a:solidFill>
-            <a:srgbClr val="F9F9FF"/>
+            <a:srgbClr val="1F1F1F"/>
           </a:solidFill>
           <a:ln/>
         </p:spPr>
@@ -1167,7 +1256,7 @@
             <a:avLst/>
           </a:prstGeom>
           <a:solidFill>
-            <a:srgbClr val="5C73E6"/>
+            <a:srgbClr val="121212"/>
           </a:solidFill>
           <a:ln/>
         </p:spPr>
@@ -1187,7 +1276,7 @@
             <a:avLst/>
           </a:prstGeom>
           <a:solidFill>
-            <a:srgbClr val="F9F9FF"/>
+            <a:srgbClr val="1F1F1F"/>
           </a:solidFill>
           <a:ln/>
         </p:spPr>
@@ -1258,7 +1347,7 @@
             <a:avLst/>
           </a:prstGeom>
           <a:solidFill>
-            <a:srgbClr val="5C73E6"/>
+            <a:srgbClr val="121212"/>
           </a:solidFill>
           <a:ln/>
         </p:spPr>
@@ -1278,7 +1367,7 @@
             <a:avLst/>
           </a:prstGeom>
           <a:solidFill>
-            <a:srgbClr val="F9F9FF"/>
+            <a:srgbClr val="1F1F1F"/>
           </a:solidFill>
           <a:ln/>
         </p:spPr>
@@ -1349,7 +1438,7 @@
             <a:avLst/>
           </a:prstGeom>
           <a:solidFill>
-            <a:srgbClr val="5C73E6"/>
+            <a:srgbClr val="121212"/>
           </a:solidFill>
           <a:ln/>
         </p:spPr>
@@ -1369,7 +1458,7 @@
             <a:avLst/>
           </a:prstGeom>
           <a:solidFill>
-            <a:srgbClr val="F9F9FF"/>
+            <a:srgbClr val="1F1F1F"/>
           </a:solidFill>
           <a:ln/>
         </p:spPr>
@@ -1440,7 +1529,7 @@
             <a:avLst/>
           </a:prstGeom>
           <a:solidFill>
-            <a:srgbClr val="5C73E6"/>
+            <a:srgbClr val="121212"/>
           </a:solidFill>
           <a:ln/>
         </p:spPr>
@@ -1460,7 +1549,98 @@
             <a:avLst/>
           </a:prstGeom>
           <a:solidFill>
-            <a:srgbClr val="F9F9FF"/>
+            <a:srgbClr val="1F1F1F"/>
+          </a:solidFill>
+          <a:ln/>
+        </p:spPr>
+      </p:sp>
+      <p:pic>
+        <p:nvPicPr>
+          <p:cNvPr id="4" name="Image 0" descr="preencoded.png">
+            <a:hlinkClick r:id="rId2" tooltip=""/>
+          </p:cNvPr>
+          <p:cNvPicPr>
+            <a:picLocks noChangeAspect="1"/>
+          </p:cNvPicPr>
+          <p:nvPr/>
+        </p:nvPicPr>
+        <p:blipFill>
+          <a:blip r:embed="rId1"/>
+          <a:stretch>
+            <a:fillRect/>
+          </a:stretch>
+        </p:blipFill>
+        <p:spPr>
+          <a:xfrm>
+            <a:off x="12839215" y="7749540"/>
+            <a:ext cx="1722605" cy="411480"/>
+          </a:xfrm>
+          <a:prstGeom prst="rect">
+            <a:avLst/>
+          </a:prstGeom>
+        </p:spPr>
+      </p:pic>
+    </p:spTree>
+  </p:cSld>
+  <p:clrMapOvr>
+    <a:masterClrMapping/>
+  </p:clrMapOvr>
+</p:sldLayout>
+</file>
+
+<file path=ppt/slideLayouts/slideLayout8.xml><?xml version="1.0" encoding="utf-8"?>
+<p:sldLayout xmlns:a="http://schemas.openxmlformats.org/drawingml/2006/main" xmlns:r="http://schemas.openxmlformats.org/officeDocument/2006/relationships" xmlns:p="http://schemas.openxmlformats.org/presentationml/2006/main" preserve="1">
+  <p:cSld name="Slide 7 master">
+    <p:spTree>
+      <p:nvGrpSpPr>
+        <p:cNvPr id="1" name=""/>
+        <p:cNvGrpSpPr/>
+        <p:nvPr/>
+      </p:nvGrpSpPr>
+      <p:grpSpPr>
+        <a:xfrm>
+          <a:off x="0" y="0"/>
+          <a:ext cx="0" cy="0"/>
+          <a:chOff x="0" y="0"/>
+          <a:chExt cx="0" cy="0"/>
+        </a:xfrm>
+      </p:grpSpPr>
+      <p:sp>
+        <p:nvSpPr>
+          <p:cNvPr id="2" name="Shape 0"/>
+          <p:cNvSpPr/>
+          <p:nvPr/>
+        </p:nvSpPr>
+        <p:spPr>
+          <a:xfrm>
+            <a:off x="0" y="0"/>
+            <a:ext cx="14630400" cy="8229600"/>
+          </a:xfrm>
+          <a:prstGeom prst="rect">
+            <a:avLst/>
+          </a:prstGeom>
+          <a:solidFill>
+            <a:srgbClr val="121212"/>
+          </a:solidFill>
+          <a:ln/>
+        </p:spPr>
+      </p:sp>
+      <p:sp>
+        <p:nvSpPr>
+          <p:cNvPr id="3" name="Shape 1"/>
+          <p:cNvSpPr/>
+          <p:nvPr/>
+        </p:nvSpPr>
+        <p:spPr>
+          <a:xfrm>
+            <a:off x="0" y="0"/>
+            <a:ext cx="14630400" cy="8229600"/>
+          </a:xfrm>
+          <a:prstGeom prst="rect">
+            <a:avLst/>
+          </a:prstGeom>
+          <a:solidFill>
+            <a:srgbClr val="1F1F1F"/>
           </a:solidFill>
           <a:ln/>
         </p:spPr>
@@ -1527,6 +1707,7 @@
     <p:sldLayoutId id="2147483653" r:id="rId5"/>
     <p:sldLayoutId id="2147483654" r:id="rId6"/>
     <p:sldLayoutId id="2147483655" r:id="rId7"/>
+    <p:sldLayoutId id="2147483656" r:id="rId8"/>
   </p:sldLayoutIdLst>
   <p:hf sldNum="0" hdr="0" ftr="0" dt="0"/>
   <p:txStyles>
@@ -1853,11 +2034,11 @@
             <a:r>
               <a:rPr lang="en-US" sz="4450" dirty="0">
                 <a:solidFill>
-                  <a:srgbClr val="1B1B27"/>
-                </a:solidFill>
-                <a:latin typeface="Alexandria" pitchFamily="34" charset="0"/>
-                <a:ea typeface="Alexandria" pitchFamily="34" charset="-122"/>
-                <a:cs typeface="Alexandria" pitchFamily="34" charset="-120"/>
+                  <a:srgbClr val="FA95AF"/>
+                </a:solidFill>
+                <a:latin typeface="Anton" pitchFamily="34" charset="0"/>
+                <a:ea typeface="Anton" pitchFamily="34" charset="-122"/>
+                <a:cs typeface="Anton" pitchFamily="34" charset="-120"/>
               </a:rPr>
               <a:t>EventManagerPro</a:t>
             </a:r>
@@ -1895,11 +2076,11 @@
             <a:r>
               <a:rPr lang="en-US" sz="1750" dirty="0">
                 <a:solidFill>
-                  <a:srgbClr val="404155"/>
-                </a:solidFill>
-                <a:latin typeface="Nobile" pitchFamily="34" charset="0"/>
-                <a:ea typeface="Nobile" pitchFamily="34" charset="-122"/>
-                <a:cs typeface="Nobile" pitchFamily="34" charset="-120"/>
+                  <a:srgbClr val="E0D6DE"/>
+                </a:solidFill>
+                <a:latin typeface="Fira Sans" pitchFamily="34" charset="0"/>
+                <a:ea typeface="Fira Sans" pitchFamily="34" charset="-122"/>
+                <a:cs typeface="Fira Sans" pitchFamily="34" charset="-120"/>
               </a:rPr>
               <a:t>Aplicación de escritorio desarrollada en </a:t>
             </a:r>
@@ -1912,11 +2093,11 @@
             <a:r>
               <a:rPr lang="en-US" sz="1750" b="1" dirty="0">
                 <a:solidFill>
-                  <a:srgbClr val="404155"/>
-                </a:solidFill>
-                <a:latin typeface="Nobile" pitchFamily="34" charset="0"/>
-                <a:ea typeface="Nobile" pitchFamily="34" charset="-122"/>
-                <a:cs typeface="Nobile" pitchFamily="34" charset="-120"/>
+                  <a:srgbClr val="E0D6DE"/>
+                </a:solidFill>
+                <a:latin typeface="Fira Sans" pitchFamily="34" charset="0"/>
+                <a:ea typeface="Fira Sans" pitchFamily="34" charset="-122"/>
+                <a:cs typeface="Fira Sans" pitchFamily="34" charset="-120"/>
               </a:rPr>
               <a:t>Java Swing</a:t>
             </a:r>
@@ -1929,11 +2110,11 @@
             <a:r>
               <a:rPr lang="en-US" sz="1750" dirty="0">
                 <a:solidFill>
-                  <a:srgbClr val="404155"/>
-                </a:solidFill>
-                <a:latin typeface="Nobile" pitchFamily="34" charset="0"/>
-                <a:ea typeface="Nobile" pitchFamily="34" charset="-122"/>
-                <a:cs typeface="Nobile" pitchFamily="34" charset="-120"/>
+                  <a:srgbClr val="E0D6DE"/>
+                </a:solidFill>
+                <a:latin typeface="Fira Sans" pitchFamily="34" charset="0"/>
+                <a:ea typeface="Fira Sans" pitchFamily="34" charset="-122"/>
+                <a:cs typeface="Fira Sans" pitchFamily="34" charset="-120"/>
               </a:rPr>
               <a:t> para administrar eventos y vender entradas. Utiliza base de datos </a:t>
             </a:r>
@@ -1946,11 +2127,11 @@
             <a:r>
               <a:rPr lang="en-US" sz="1750" b="1" dirty="0">
                 <a:solidFill>
-                  <a:srgbClr val="404155"/>
-                </a:solidFill>
-                <a:latin typeface="Nobile" pitchFamily="34" charset="0"/>
-                <a:ea typeface="Nobile" pitchFamily="34" charset="-122"/>
-                <a:cs typeface="Nobile" pitchFamily="34" charset="-120"/>
+                  <a:srgbClr val="E0D6DE"/>
+                </a:solidFill>
+                <a:latin typeface="Fira Sans" pitchFamily="34" charset="0"/>
+                <a:ea typeface="Fira Sans" pitchFamily="34" charset="-122"/>
+                <a:cs typeface="Fira Sans" pitchFamily="34" charset="-120"/>
               </a:rPr>
               <a:t>MySQL</a:t>
             </a:r>
@@ -1963,11 +2144,11 @@
             <a:r>
               <a:rPr lang="en-US" sz="1750" dirty="0">
                 <a:solidFill>
-                  <a:srgbClr val="404155"/>
-                </a:solidFill>
-                <a:latin typeface="Nobile" pitchFamily="34" charset="0"/>
-                <a:ea typeface="Nobile" pitchFamily="34" charset="-122"/>
-                <a:cs typeface="Nobile" pitchFamily="34" charset="-120"/>
+                  <a:srgbClr val="E0D6DE"/>
+                </a:solidFill>
+                <a:latin typeface="Fira Sans" pitchFamily="34" charset="0"/>
+                <a:ea typeface="Fira Sans" pitchFamily="34" charset="-122"/>
+                <a:cs typeface="Fira Sans" pitchFamily="34" charset="-120"/>
               </a:rPr>
               <a:t> como almacenamiento principal.</a:t>
             </a:r>
@@ -2031,40 +2212,16 @@
           <a:chExt cx="0" cy="0"/>
         </a:xfrm>
       </p:grpSpPr>
-      <p:pic>
-        <p:nvPicPr>
-          <p:cNvPr id="2" name="Image 0" descr="preencoded.png">    </p:cNvPr>
-          <p:cNvPicPr>
-            <a:picLocks noChangeAspect="1"/>
-          </p:cNvPicPr>
-          <p:nvPr/>
-        </p:nvPicPr>
-        <p:blipFill>
-          <a:blip r:embed="rId1"/>
-          <a:stretch>
-            <a:fillRect/>
-          </a:stretch>
-        </p:blipFill>
-        <p:spPr>
-          <a:xfrm>
-            <a:off x="0" y="0"/>
-            <a:ext cx="14630400" cy="2205514"/>
-          </a:xfrm>
-          <a:prstGeom prst="rect">
-            <a:avLst/>
-          </a:prstGeom>
-        </p:spPr>
-      </p:pic>
-      <p:sp>
-        <p:nvSpPr>
-          <p:cNvPr id="3" name="Text 0"/>
-          <p:cNvSpPr/>
-          <p:nvPr/>
-        </p:nvSpPr>
-        <p:spPr>
-          <a:xfrm>
-            <a:off x="617458" y="2692360"/>
-            <a:ext cx="5128498" cy="551378"/>
+      <p:sp>
+        <p:nvSpPr>
+          <p:cNvPr id="2" name="Text 0"/>
+          <p:cNvSpPr/>
+          <p:nvPr/>
+        </p:nvSpPr>
+        <p:spPr>
+          <a:xfrm>
+            <a:off x="777954" y="611267"/>
+            <a:ext cx="5557480" cy="694730"/>
           </a:xfrm>
           <a:prstGeom prst="rect">
             <a:avLst/>
@@ -2078,59 +2235,84 @@
           <a:p>
             <a:pPr algn="l" indent="0" marL="0">
               <a:lnSpc>
-                <a:spcPts val="4300"/>
-              </a:lnSpc>
-              <a:buNone/>
-            </a:pPr>
-            <a:r>
-              <a:rPr lang="en-US" sz="3450" dirty="0">
-                <a:solidFill>
-                  <a:srgbClr val="1B1B27"/>
-                </a:solidFill>
-                <a:latin typeface="Alexandria" pitchFamily="34" charset="0"/>
-                <a:ea typeface="Alexandria" pitchFamily="34" charset="-122"/>
-                <a:cs typeface="Alexandria" pitchFamily="34" charset="-120"/>
+                <a:spcPts val="5450"/>
+              </a:lnSpc>
+              <a:buNone/>
+            </a:pPr>
+            <a:r>
+              <a:rPr lang="en-US" sz="4350" dirty="0">
+                <a:solidFill>
+                  <a:srgbClr val="FA95AF"/>
+                </a:solidFill>
+                <a:latin typeface="Anton" pitchFamily="34" charset="0"/>
+                <a:ea typeface="Anton" pitchFamily="34" charset="-122"/>
+                <a:cs typeface="Anton" pitchFamily="34" charset="-120"/>
               </a:rPr>
               <a:t>Estructura del Proyecto</a:t>
             </a:r>
-            <a:endParaRPr lang="en-US" sz="3450" dirty="0"/>
-          </a:p>
-        </p:txBody>
-      </p:sp>
-      <p:pic>
-        <p:nvPicPr>
-          <p:cNvPr id="4" name="Image 1" descr="preencoded.png">    </p:cNvPr>
-          <p:cNvPicPr>
-            <a:picLocks noChangeAspect="1"/>
-          </p:cNvPicPr>
-          <p:nvPr/>
-        </p:nvPicPr>
-        <p:blipFill>
-          <a:blip r:embed="rId2"/>
-          <a:stretch>
-            <a:fillRect/>
-          </a:stretch>
-        </p:blipFill>
-        <p:spPr>
-          <a:xfrm>
-            <a:off x="617458" y="3508296"/>
-            <a:ext cx="882134" cy="1058585"/>
-          </a:xfrm>
-          <a:prstGeom prst="rect">
-            <a:avLst/>
-          </a:prstGeom>
-        </p:spPr>
-      </p:pic>
-      <p:sp>
-        <p:nvSpPr>
-          <p:cNvPr id="5" name="Text 1"/>
-          <p:cNvSpPr/>
-          <p:nvPr/>
-        </p:nvSpPr>
-        <p:spPr>
-          <a:xfrm>
-            <a:off x="1764149" y="3684627"/>
-            <a:ext cx="2205514" cy="275630"/>
+            <a:endParaRPr lang="en-US" sz="4350" dirty="0"/>
+          </a:p>
+        </p:txBody>
+      </p:sp>
+      <p:sp>
+        <p:nvSpPr>
+          <p:cNvPr id="3" name="Shape 1"/>
+          <p:cNvSpPr/>
+          <p:nvPr/>
+        </p:nvSpPr>
+        <p:spPr>
+          <a:xfrm>
+            <a:off x="777954" y="1750576"/>
+            <a:ext cx="13074491" cy="4907637"/>
+          </a:xfrm>
+          <a:prstGeom prst="roundRect">
+            <a:avLst>
+              <a:gd name="adj" fmla="val 679"/>
+            </a:avLst>
+          </a:prstGeom>
+          <a:noFill/>
+          <a:ln w="7620">
+            <a:solidFill>
+              <a:srgbClr val="FFFFFF">
+                <a:alpha val="24000"/>
+              </a:srgbClr>
+            </a:solidFill>
+            <a:prstDash val="solid"/>
+          </a:ln>
+        </p:spPr>
+      </p:sp>
+      <p:sp>
+        <p:nvSpPr>
+          <p:cNvPr id="4" name="Shape 2"/>
+          <p:cNvSpPr/>
+          <p:nvPr/>
+        </p:nvSpPr>
+        <p:spPr>
+          <a:xfrm>
+            <a:off x="785574" y="1758196"/>
+            <a:ext cx="13057942" cy="637580"/>
+          </a:xfrm>
+          <a:prstGeom prst="rect">
+            <a:avLst/>
+          </a:prstGeom>
+          <a:solidFill>
+            <a:srgbClr val="FFFFFF">
+              <a:alpha val="4000"/>
+            </a:srgbClr>
+          </a:solidFill>
+          <a:ln/>
+        </p:spPr>
+      </p:sp>
+      <p:sp>
+        <p:nvSpPr>
+          <p:cNvPr id="5" name="Text 3"/>
+          <p:cNvSpPr/>
+          <p:nvPr/>
+        </p:nvSpPr>
+        <p:spPr>
+          <a:xfrm>
+            <a:off x="1009174" y="1899166"/>
+            <a:ext cx="3903821" cy="355640"/>
           </a:xfrm>
           <a:prstGeom prst="rect">
             <a:avLst/>
@@ -2144,35 +2326,35 @@
           <a:p>
             <a:pPr algn="l" indent="0" marL="0">
               <a:lnSpc>
-                <a:spcPts val="2150"/>
-              </a:lnSpc>
-              <a:buNone/>
-            </a:pPr>
-            <a:r>
-              <a:rPr lang="en-US" sz="1700" dirty="0">
-                <a:solidFill>
-                  <a:srgbClr val="404155"/>
-                </a:solidFill>
-                <a:latin typeface="Alexandria" pitchFamily="34" charset="0"/>
-                <a:ea typeface="Alexandria" pitchFamily="34" charset="-122"/>
-                <a:cs typeface="Alexandria" pitchFamily="34" charset="-120"/>
-              </a:rPr>
-              <a:t>Main.java</a:t>
-            </a:r>
-            <a:endParaRPr lang="en-US" sz="1700" dirty="0"/>
-          </a:p>
-        </p:txBody>
-      </p:sp>
-      <p:sp>
-        <p:nvSpPr>
-          <p:cNvPr id="6" name="Text 2"/>
-          <p:cNvSpPr/>
-          <p:nvPr/>
-        </p:nvSpPr>
-        <p:spPr>
-          <a:xfrm>
-            <a:off x="1764149" y="4066103"/>
-            <a:ext cx="12248793" cy="282297"/>
+                <a:spcPts val="2800"/>
+              </a:lnSpc>
+              <a:buNone/>
+            </a:pPr>
+            <a:r>
+              <a:rPr lang="en-US" sz="1750" b="1" dirty="0">
+                <a:solidFill>
+                  <a:srgbClr val="E0D6DE"/>
+                </a:solidFill>
+                <a:latin typeface="Fira Sans" pitchFamily="34" charset="0"/>
+                <a:ea typeface="Fira Sans" pitchFamily="34" charset="-122"/>
+                <a:cs typeface="Fira Sans" pitchFamily="34" charset="-120"/>
+              </a:rPr>
+              <a:t>Componente</a:t>
+            </a:r>
+            <a:endParaRPr lang="en-US" sz="1750" dirty="0"/>
+          </a:p>
+        </p:txBody>
+      </p:sp>
+      <p:sp>
+        <p:nvSpPr>
+          <p:cNvPr id="6" name="Text 4"/>
+          <p:cNvSpPr/>
+          <p:nvPr/>
+        </p:nvSpPr>
+        <p:spPr>
+          <a:xfrm>
+            <a:off x="5365194" y="1899166"/>
+            <a:ext cx="3900011" cy="355640"/>
           </a:xfrm>
           <a:prstGeom prst="rect">
             <a:avLst/>
@@ -2186,59 +2368,35 @@
           <a:p>
             <a:pPr algn="l" indent="0" marL="0">
               <a:lnSpc>
-                <a:spcPts val="2200"/>
-              </a:lnSpc>
-              <a:buNone/>
-            </a:pPr>
-            <a:r>
-              <a:rPr lang="en-US" sz="1350" dirty="0">
-                <a:solidFill>
-                  <a:srgbClr val="404155"/>
-                </a:solidFill>
-                <a:latin typeface="Nobile" pitchFamily="34" charset="0"/>
-                <a:ea typeface="Nobile" pitchFamily="34" charset="-122"/>
-                <a:cs typeface="Nobile" pitchFamily="34" charset="-120"/>
-              </a:rPr>
-              <a:t>Punto de entrada principal que inicia la aplicación.</a:t>
-            </a:r>
-            <a:endParaRPr lang="en-US" sz="1350" dirty="0"/>
-          </a:p>
-        </p:txBody>
-      </p:sp>
-      <p:pic>
-        <p:nvPicPr>
-          <p:cNvPr id="7" name="Image 2" descr="preencoded.png">    </p:cNvPr>
-          <p:cNvPicPr>
-            <a:picLocks noChangeAspect="1"/>
-          </p:cNvPicPr>
-          <p:nvPr/>
-        </p:nvPicPr>
-        <p:blipFill>
-          <a:blip r:embed="rId3"/>
-          <a:stretch>
-            <a:fillRect/>
-          </a:stretch>
-        </p:blipFill>
-        <p:spPr>
-          <a:xfrm>
-            <a:off x="617458" y="4566880"/>
-            <a:ext cx="882134" cy="1058585"/>
-          </a:xfrm>
-          <a:prstGeom prst="rect">
-            <a:avLst/>
-          </a:prstGeom>
-        </p:spPr>
-      </p:pic>
-      <p:sp>
-        <p:nvSpPr>
-          <p:cNvPr id="8" name="Text 3"/>
-          <p:cNvSpPr/>
-          <p:nvPr/>
-        </p:nvSpPr>
-        <p:spPr>
-          <a:xfrm>
-            <a:off x="1764149" y="4743212"/>
-            <a:ext cx="2205514" cy="275630"/>
+                <a:spcPts val="2800"/>
+              </a:lnSpc>
+              <a:buNone/>
+            </a:pPr>
+            <a:r>
+              <a:rPr lang="en-US" sz="1750" b="1" dirty="0">
+                <a:solidFill>
+                  <a:srgbClr val="E0D6DE"/>
+                </a:solidFill>
+                <a:latin typeface="Fira Sans" pitchFamily="34" charset="0"/>
+                <a:ea typeface="Fira Sans" pitchFamily="34" charset="-122"/>
+                <a:cs typeface="Fira Sans" pitchFamily="34" charset="-120"/>
+              </a:rPr>
+              <a:t>Archivos</a:t>
+            </a:r>
+            <a:endParaRPr lang="en-US" sz="1750" dirty="0"/>
+          </a:p>
+        </p:txBody>
+      </p:sp>
+      <p:sp>
+        <p:nvSpPr>
+          <p:cNvPr id="7" name="Text 5"/>
+          <p:cNvSpPr/>
+          <p:nvPr/>
+        </p:nvSpPr>
+        <p:spPr>
+          <a:xfrm>
+            <a:off x="9717405" y="1899166"/>
+            <a:ext cx="3903821" cy="355640"/>
           </a:xfrm>
           <a:prstGeom prst="rect">
             <a:avLst/>
@@ -2252,35 +2410,57 @@
           <a:p>
             <a:pPr algn="l" indent="0" marL="0">
               <a:lnSpc>
-                <a:spcPts val="2150"/>
-              </a:lnSpc>
-              <a:buNone/>
-            </a:pPr>
-            <a:r>
-              <a:rPr lang="en-US" sz="1700" dirty="0">
-                <a:solidFill>
-                  <a:srgbClr val="404155"/>
-                </a:solidFill>
-                <a:latin typeface="Alexandria" pitchFamily="34" charset="0"/>
-                <a:ea typeface="Alexandria" pitchFamily="34" charset="-122"/>
-                <a:cs typeface="Alexandria" pitchFamily="34" charset="-120"/>
-              </a:rPr>
-              <a:t>Conexion.java</a:t>
-            </a:r>
-            <a:endParaRPr lang="en-US" sz="1700" dirty="0"/>
-          </a:p>
-        </p:txBody>
-      </p:sp>
-      <p:sp>
-        <p:nvSpPr>
-          <p:cNvPr id="9" name="Text 4"/>
-          <p:cNvSpPr/>
-          <p:nvPr/>
-        </p:nvSpPr>
-        <p:spPr>
-          <a:xfrm>
-            <a:off x="1764149" y="5124688"/>
-            <a:ext cx="12248793" cy="282297"/>
+                <a:spcPts val="2800"/>
+              </a:lnSpc>
+              <a:buNone/>
+            </a:pPr>
+            <a:r>
+              <a:rPr lang="en-US" sz="1750" b="1" dirty="0">
+                <a:solidFill>
+                  <a:srgbClr val="E0D6DE"/>
+                </a:solidFill>
+                <a:latin typeface="Fira Sans" pitchFamily="34" charset="0"/>
+                <a:ea typeface="Fira Sans" pitchFamily="34" charset="-122"/>
+                <a:cs typeface="Fira Sans" pitchFamily="34" charset="-120"/>
+              </a:rPr>
+              <a:t>Funcionalidad</a:t>
+            </a:r>
+            <a:endParaRPr lang="en-US" sz="1750" dirty="0"/>
+          </a:p>
+        </p:txBody>
+      </p:sp>
+      <p:sp>
+        <p:nvSpPr>
+          <p:cNvPr id="8" name="Shape 6"/>
+          <p:cNvSpPr/>
+          <p:nvPr/>
+        </p:nvSpPr>
+        <p:spPr>
+          <a:xfrm>
+            <a:off x="785574" y="2395776"/>
+            <a:ext cx="13057942" cy="637580"/>
+          </a:xfrm>
+          <a:prstGeom prst="rect">
+            <a:avLst/>
+          </a:prstGeom>
+          <a:solidFill>
+            <a:srgbClr val="000000">
+              <a:alpha val="4000"/>
+            </a:srgbClr>
+          </a:solidFill>
+          <a:ln/>
+        </p:spPr>
+      </p:sp>
+      <p:sp>
+        <p:nvSpPr>
+          <p:cNvPr id="9" name="Text 7"/>
+          <p:cNvSpPr/>
+          <p:nvPr/>
+        </p:nvSpPr>
+        <p:spPr>
+          <a:xfrm>
+            <a:off x="1009174" y="2536746"/>
+            <a:ext cx="3903821" cy="355640"/>
           </a:xfrm>
           <a:prstGeom prst="rect">
             <a:avLst/>
@@ -2294,59 +2474,35 @@
           <a:p>
             <a:pPr algn="l" indent="0" marL="0">
               <a:lnSpc>
-                <a:spcPts val="2200"/>
-              </a:lnSpc>
-              <a:buNone/>
-            </a:pPr>
-            <a:r>
-              <a:rPr lang="en-US" sz="1350" dirty="0">
-                <a:solidFill>
-                  <a:srgbClr val="404155"/>
-                </a:solidFill>
-                <a:latin typeface="Nobile" pitchFamily="34" charset="0"/>
-                <a:ea typeface="Nobile" pitchFamily="34" charset="-122"/>
-                <a:cs typeface="Nobile" pitchFamily="34" charset="-120"/>
-              </a:rPr>
-              <a:t>Gestiona la conexión con la base de datos MySQL.</a:t>
-            </a:r>
-            <a:endParaRPr lang="en-US" sz="1350" dirty="0"/>
-          </a:p>
-        </p:txBody>
-      </p:sp>
-      <p:pic>
-        <p:nvPicPr>
-          <p:cNvPr id="10" name="Image 3" descr="preencoded.png">    </p:cNvPr>
-          <p:cNvPicPr>
-            <a:picLocks noChangeAspect="1"/>
-          </p:cNvPicPr>
-          <p:nvPr/>
-        </p:nvPicPr>
-        <p:blipFill>
-          <a:blip r:embed="rId4"/>
-          <a:stretch>
-            <a:fillRect/>
-          </a:stretch>
-        </p:blipFill>
-        <p:spPr>
-          <a:xfrm>
-            <a:off x="617458" y="5625465"/>
-            <a:ext cx="882134" cy="1058585"/>
-          </a:xfrm>
-          <a:prstGeom prst="rect">
-            <a:avLst/>
-          </a:prstGeom>
-        </p:spPr>
-      </p:pic>
-      <p:sp>
-        <p:nvSpPr>
-          <p:cNvPr id="11" name="Text 5"/>
-          <p:cNvSpPr/>
-          <p:nvPr/>
-        </p:nvSpPr>
-        <p:spPr>
-          <a:xfrm>
-            <a:off x="1764149" y="5801797"/>
-            <a:ext cx="3159443" cy="275630"/>
+                <a:spcPts val="2800"/>
+              </a:lnSpc>
+              <a:buNone/>
+            </a:pPr>
+            <a:r>
+              <a:rPr lang="en-US" sz="1750" dirty="0">
+                <a:solidFill>
+                  <a:srgbClr val="E0D6DE"/>
+                </a:solidFill>
+                <a:latin typeface="Fira Sans" pitchFamily="34" charset="0"/>
+                <a:ea typeface="Fira Sans" pitchFamily="34" charset="-122"/>
+                <a:cs typeface="Fira Sans" pitchFamily="34" charset="-120"/>
+              </a:rPr>
+              <a:t>Núcleo</a:t>
+            </a:r>
+            <a:endParaRPr lang="en-US" sz="1750" dirty="0"/>
+          </a:p>
+        </p:txBody>
+      </p:sp>
+      <p:sp>
+        <p:nvSpPr>
+          <p:cNvPr id="10" name="Text 8"/>
+          <p:cNvSpPr/>
+          <p:nvPr/>
+        </p:nvSpPr>
+        <p:spPr>
+          <a:xfrm>
+            <a:off x="5365194" y="2536746"/>
+            <a:ext cx="3900011" cy="355640"/>
           </a:xfrm>
           <a:prstGeom prst="rect">
             <a:avLst/>
@@ -2360,35 +2516,35 @@
           <a:p>
             <a:pPr algn="l" indent="0" marL="0">
               <a:lnSpc>
-                <a:spcPts val="2150"/>
-              </a:lnSpc>
-              <a:buNone/>
-            </a:pPr>
-            <a:r>
-              <a:rPr lang="en-US" sz="1700" dirty="0">
-                <a:solidFill>
-                  <a:srgbClr val="404155"/>
-                </a:solidFill>
-                <a:latin typeface="Alexandria" pitchFamily="34" charset="0"/>
-                <a:ea typeface="Alexandria" pitchFamily="34" charset="-122"/>
-                <a:cs typeface="Alexandria" pitchFamily="34" charset="-120"/>
-              </a:rPr>
-              <a:t>Evento.java / EventoDAO.java</a:t>
-            </a:r>
-            <a:endParaRPr lang="en-US" sz="1700" dirty="0"/>
-          </a:p>
-        </p:txBody>
-      </p:sp>
-      <p:sp>
-        <p:nvSpPr>
-          <p:cNvPr id="12" name="Text 6"/>
-          <p:cNvSpPr/>
-          <p:nvPr/>
-        </p:nvSpPr>
-        <p:spPr>
-          <a:xfrm>
-            <a:off x="1764149" y="6183273"/>
-            <a:ext cx="12248793" cy="282297"/>
+                <a:spcPts val="2800"/>
+              </a:lnSpc>
+              <a:buNone/>
+            </a:pPr>
+            <a:r>
+              <a:rPr lang="en-US" sz="1750" dirty="0">
+                <a:solidFill>
+                  <a:srgbClr val="E0D6DE"/>
+                </a:solidFill>
+                <a:latin typeface="Fira Sans" pitchFamily="34" charset="0"/>
+                <a:ea typeface="Fira Sans" pitchFamily="34" charset="-122"/>
+                <a:cs typeface="Fira Sans" pitchFamily="34" charset="-120"/>
+              </a:rPr>
+              <a:t>Main.java, Conexion.java</a:t>
+            </a:r>
+            <a:endParaRPr lang="en-US" sz="1750" dirty="0"/>
+          </a:p>
+        </p:txBody>
+      </p:sp>
+      <p:sp>
+        <p:nvSpPr>
+          <p:cNvPr id="11" name="Text 9"/>
+          <p:cNvSpPr/>
+          <p:nvPr/>
+        </p:nvSpPr>
+        <p:spPr>
+          <a:xfrm>
+            <a:off x="9717405" y="2536746"/>
+            <a:ext cx="3903821" cy="355640"/>
           </a:xfrm>
           <a:prstGeom prst="rect">
             <a:avLst/>
@@ -2402,59 +2558,57 @@
           <a:p>
             <a:pPr algn="l" indent="0" marL="0">
               <a:lnSpc>
-                <a:spcPts val="2200"/>
-              </a:lnSpc>
-              <a:buNone/>
-            </a:pPr>
-            <a:r>
-              <a:rPr lang="en-US" sz="1350" dirty="0">
-                <a:solidFill>
-                  <a:srgbClr val="404155"/>
-                </a:solidFill>
-                <a:latin typeface="Nobile" pitchFamily="34" charset="0"/>
-                <a:ea typeface="Nobile" pitchFamily="34" charset="-122"/>
-                <a:cs typeface="Nobile" pitchFamily="34" charset="-120"/>
-              </a:rPr>
-              <a:t>Representación y persistencia de eventos.</a:t>
-            </a:r>
-            <a:endParaRPr lang="en-US" sz="1350" dirty="0"/>
-          </a:p>
-        </p:txBody>
-      </p:sp>
-      <p:pic>
-        <p:nvPicPr>
-          <p:cNvPr id="13" name="Image 4" descr="preencoded.png">    </p:cNvPr>
-          <p:cNvPicPr>
-            <a:picLocks noChangeAspect="1"/>
-          </p:cNvPicPr>
-          <p:nvPr/>
-        </p:nvPicPr>
-        <p:blipFill>
-          <a:blip r:embed="rId5"/>
-          <a:stretch>
-            <a:fillRect/>
-          </a:stretch>
-        </p:blipFill>
-        <p:spPr>
-          <a:xfrm>
-            <a:off x="617458" y="6684050"/>
-            <a:ext cx="882134" cy="1058585"/>
-          </a:xfrm>
-          <a:prstGeom prst="rect">
-            <a:avLst/>
-          </a:prstGeom>
-        </p:spPr>
-      </p:pic>
-      <p:sp>
-        <p:nvSpPr>
-          <p:cNvPr id="14" name="Text 7"/>
-          <p:cNvSpPr/>
-          <p:nvPr/>
-        </p:nvSpPr>
-        <p:spPr>
-          <a:xfrm>
-            <a:off x="1764149" y="6860381"/>
-            <a:ext cx="2205514" cy="275630"/>
+                <a:spcPts val="2800"/>
+              </a:lnSpc>
+              <a:buNone/>
+            </a:pPr>
+            <a:r>
+              <a:rPr lang="en-US" sz="1750" dirty="0">
+                <a:solidFill>
+                  <a:srgbClr val="E0D6DE"/>
+                </a:solidFill>
+                <a:latin typeface="Fira Sans" pitchFamily="34" charset="0"/>
+                <a:ea typeface="Fira Sans" pitchFamily="34" charset="-122"/>
+                <a:cs typeface="Fira Sans" pitchFamily="34" charset="-120"/>
+              </a:rPr>
+              <a:t>Punto de entrada y conexión DB</a:t>
+            </a:r>
+            <a:endParaRPr lang="en-US" sz="1750" dirty="0"/>
+          </a:p>
+        </p:txBody>
+      </p:sp>
+      <p:sp>
+        <p:nvSpPr>
+          <p:cNvPr id="12" name="Shape 10"/>
+          <p:cNvSpPr/>
+          <p:nvPr/>
+        </p:nvSpPr>
+        <p:spPr>
+          <a:xfrm>
+            <a:off x="785574" y="3033355"/>
+            <a:ext cx="13057942" cy="993219"/>
+          </a:xfrm>
+          <a:prstGeom prst="rect">
+            <a:avLst/>
+          </a:prstGeom>
+          <a:solidFill>
+            <a:srgbClr val="FFFFFF">
+              <a:alpha val="4000"/>
+            </a:srgbClr>
+          </a:solidFill>
+          <a:ln/>
+        </p:spPr>
+      </p:sp>
+      <p:sp>
+        <p:nvSpPr>
+          <p:cNvPr id="13" name="Text 11"/>
+          <p:cNvSpPr/>
+          <p:nvPr/>
+        </p:nvSpPr>
+        <p:spPr>
+          <a:xfrm>
+            <a:off x="1009174" y="3174325"/>
+            <a:ext cx="3903821" cy="355640"/>
           </a:xfrm>
           <a:prstGeom prst="rect">
             <a:avLst/>
@@ -2468,35 +2622,77 @@
           <a:p>
             <a:pPr algn="l" indent="0" marL="0">
               <a:lnSpc>
-                <a:spcPts val="2150"/>
-              </a:lnSpc>
-              <a:buNone/>
-            </a:pPr>
-            <a:r>
-              <a:rPr lang="en-US" sz="1700" dirty="0">
-                <a:solidFill>
-                  <a:srgbClr val="404155"/>
-                </a:solidFill>
-                <a:latin typeface="Alexandria" pitchFamily="34" charset="0"/>
-                <a:ea typeface="Alexandria" pitchFamily="34" charset="-122"/>
-                <a:cs typeface="Alexandria" pitchFamily="34" charset="-120"/>
-              </a:rPr>
-              <a:t>EntradaDAO.java</a:t>
-            </a:r>
-            <a:endParaRPr lang="en-US" sz="1700" dirty="0"/>
-          </a:p>
-        </p:txBody>
-      </p:sp>
-      <p:sp>
-        <p:nvSpPr>
-          <p:cNvPr id="15" name="Text 8"/>
-          <p:cNvSpPr/>
-          <p:nvPr/>
-        </p:nvSpPr>
-        <p:spPr>
-          <a:xfrm>
-            <a:off x="1764149" y="7241858"/>
-            <a:ext cx="12248793" cy="282297"/>
+                <a:spcPts val="2800"/>
+              </a:lnSpc>
+              <a:buNone/>
+            </a:pPr>
+            <a:r>
+              <a:rPr lang="en-US" sz="1750" dirty="0">
+                <a:solidFill>
+                  <a:srgbClr val="E0D6DE"/>
+                </a:solidFill>
+                <a:latin typeface="Fira Sans" pitchFamily="34" charset="0"/>
+                <a:ea typeface="Fira Sans" pitchFamily="34" charset="-122"/>
+                <a:cs typeface="Fira Sans" pitchFamily="34" charset="-120"/>
+              </a:rPr>
+              <a:t>Modelo</a:t>
+            </a:r>
+            <a:endParaRPr lang="en-US" sz="1750" dirty="0"/>
+          </a:p>
+        </p:txBody>
+      </p:sp>
+      <p:sp>
+        <p:nvSpPr>
+          <p:cNvPr id="14" name="Text 12"/>
+          <p:cNvSpPr/>
+          <p:nvPr/>
+        </p:nvSpPr>
+        <p:spPr>
+          <a:xfrm>
+            <a:off x="5365194" y="3174325"/>
+            <a:ext cx="3900011" cy="711279"/>
+          </a:xfrm>
+          <a:prstGeom prst="rect">
+            <a:avLst/>
+          </a:prstGeom>
+          <a:noFill/>
+          <a:ln/>
+        </p:spPr>
+        <p:txBody>
+          <a:bodyPr wrap="square" lIns="0" tIns="0" rIns="0" bIns="0" rtlCol="0" anchor="t"/>
+          <a:lstStyle/>
+          <a:p>
+            <a:pPr algn="l" indent="0" marL="0">
+              <a:lnSpc>
+                <a:spcPts val="2800"/>
+              </a:lnSpc>
+              <a:buNone/>
+            </a:pPr>
+            <a:r>
+              <a:rPr lang="en-US" sz="1750" dirty="0">
+                <a:solidFill>
+                  <a:srgbClr val="E0D6DE"/>
+                </a:solidFill>
+                <a:latin typeface="Fira Sans" pitchFamily="34" charset="0"/>
+                <a:ea typeface="Fira Sans" pitchFamily="34" charset="-122"/>
+                <a:cs typeface="Fira Sans" pitchFamily="34" charset="-120"/>
+              </a:rPr>
+              <a:t>Evento.java, EventoDAO.java, EntradaDAO.java</a:t>
+            </a:r>
+            <a:endParaRPr lang="en-US" sz="1750" dirty="0"/>
+          </a:p>
+        </p:txBody>
+      </p:sp>
+      <p:sp>
+        <p:nvSpPr>
+          <p:cNvPr id="15" name="Text 13"/>
+          <p:cNvSpPr/>
+          <p:nvPr/>
+        </p:nvSpPr>
+        <p:spPr>
+          <a:xfrm>
+            <a:off x="9717405" y="3174325"/>
+            <a:ext cx="3903821" cy="355640"/>
           </a:xfrm>
           <a:prstGeom prst="rect">
             <a:avLst/>
@@ -2510,22 +2706,508 @@
           <a:p>
             <a:pPr algn="l" indent="0" marL="0">
               <a:lnSpc>
-                <a:spcPts val="2200"/>
-              </a:lnSpc>
-              <a:buNone/>
-            </a:pPr>
-            <a:r>
-              <a:rPr lang="en-US" sz="1350" dirty="0">
-                <a:solidFill>
-                  <a:srgbClr val="404155"/>
-                </a:solidFill>
-                <a:latin typeface="Nobile" pitchFamily="34" charset="0"/>
-                <a:ea typeface="Nobile" pitchFamily="34" charset="-122"/>
-                <a:cs typeface="Nobile" pitchFamily="34" charset="-120"/>
-              </a:rPr>
-              <a:t>Maneja las operaciones de entradas en la base de datos.</a:t>
-            </a:r>
-            <a:endParaRPr lang="en-US" sz="1350" dirty="0"/>
+                <a:spcPts val="2800"/>
+              </a:lnSpc>
+              <a:buNone/>
+            </a:pPr>
+            <a:r>
+              <a:rPr lang="en-US" sz="1750" dirty="0">
+                <a:solidFill>
+                  <a:srgbClr val="E0D6DE"/>
+                </a:solidFill>
+                <a:latin typeface="Fira Sans" pitchFamily="34" charset="0"/>
+                <a:ea typeface="Fira Sans" pitchFamily="34" charset="-122"/>
+                <a:cs typeface="Fira Sans" pitchFamily="34" charset="-120"/>
+              </a:rPr>
+              <a:t>Lógica de negocio y persistencia</a:t>
+            </a:r>
+            <a:endParaRPr lang="en-US" sz="1750" dirty="0"/>
+          </a:p>
+        </p:txBody>
+      </p:sp>
+      <p:sp>
+        <p:nvSpPr>
+          <p:cNvPr id="16" name="Shape 14"/>
+          <p:cNvSpPr/>
+          <p:nvPr/>
+        </p:nvSpPr>
+        <p:spPr>
+          <a:xfrm>
+            <a:off x="785574" y="4026575"/>
+            <a:ext cx="13057942" cy="993219"/>
+          </a:xfrm>
+          <a:prstGeom prst="rect">
+            <a:avLst/>
+          </a:prstGeom>
+          <a:solidFill>
+            <a:srgbClr val="000000">
+              <a:alpha val="4000"/>
+            </a:srgbClr>
+          </a:solidFill>
+          <a:ln/>
+        </p:spPr>
+      </p:sp>
+      <p:sp>
+        <p:nvSpPr>
+          <p:cNvPr id="17" name="Text 15"/>
+          <p:cNvSpPr/>
+          <p:nvPr/>
+        </p:nvSpPr>
+        <p:spPr>
+          <a:xfrm>
+            <a:off x="1009174" y="4167545"/>
+            <a:ext cx="3903821" cy="355640"/>
+          </a:xfrm>
+          <a:prstGeom prst="rect">
+            <a:avLst/>
+          </a:prstGeom>
+          <a:noFill/>
+          <a:ln/>
+        </p:spPr>
+        <p:txBody>
+          <a:bodyPr wrap="none" lIns="0" tIns="0" rIns="0" bIns="0" rtlCol="0" anchor="t"/>
+          <a:lstStyle/>
+          <a:p>
+            <a:pPr algn="l" indent="0" marL="0">
+              <a:lnSpc>
+                <a:spcPts val="2800"/>
+              </a:lnSpc>
+              <a:buNone/>
+            </a:pPr>
+            <a:r>
+              <a:rPr lang="en-US" sz="1750" dirty="0">
+                <a:solidFill>
+                  <a:srgbClr val="E0D6DE"/>
+                </a:solidFill>
+                <a:latin typeface="Fira Sans" pitchFamily="34" charset="0"/>
+                <a:ea typeface="Fira Sans" pitchFamily="34" charset="-122"/>
+                <a:cs typeface="Fira Sans" pitchFamily="34" charset="-120"/>
+              </a:rPr>
+              <a:t>Interfaz</a:t>
+            </a:r>
+            <a:endParaRPr lang="en-US" sz="1750" dirty="0"/>
+          </a:p>
+        </p:txBody>
+      </p:sp>
+      <p:sp>
+        <p:nvSpPr>
+          <p:cNvPr id="18" name="Text 16"/>
+          <p:cNvSpPr/>
+          <p:nvPr/>
+        </p:nvSpPr>
+        <p:spPr>
+          <a:xfrm>
+            <a:off x="5365194" y="4167545"/>
+            <a:ext cx="3900011" cy="711279"/>
+          </a:xfrm>
+          <a:prstGeom prst="rect">
+            <a:avLst/>
+          </a:prstGeom>
+          <a:noFill/>
+          <a:ln/>
+        </p:spPr>
+        <p:txBody>
+          <a:bodyPr wrap="square" lIns="0" tIns="0" rIns="0" bIns="0" rtlCol="0" anchor="t"/>
+          <a:lstStyle/>
+          <a:p>
+            <a:pPr algn="l" indent="0" marL="0">
+              <a:lnSpc>
+                <a:spcPts val="2800"/>
+              </a:lnSpc>
+              <a:buNone/>
+            </a:pPr>
+            <a:r>
+              <a:rPr lang="en-US" sz="1750" dirty="0">
+                <a:solidFill>
+                  <a:srgbClr val="E0D6DE"/>
+                </a:solidFill>
+                <a:latin typeface="Fira Sans" pitchFamily="34" charset="0"/>
+                <a:ea typeface="Fira Sans" pitchFamily="34" charset="-122"/>
+                <a:cs typeface="Fira Sans" pitchFamily="34" charset="-120"/>
+              </a:rPr>
+              <a:t>VentanaInicio.java, VentanaEventos.java</a:t>
+            </a:r>
+            <a:endParaRPr lang="en-US" sz="1750" dirty="0"/>
+          </a:p>
+        </p:txBody>
+      </p:sp>
+      <p:sp>
+        <p:nvSpPr>
+          <p:cNvPr id="19" name="Text 17"/>
+          <p:cNvSpPr/>
+          <p:nvPr/>
+        </p:nvSpPr>
+        <p:spPr>
+          <a:xfrm>
+            <a:off x="9717405" y="4167545"/>
+            <a:ext cx="3903821" cy="355640"/>
+          </a:xfrm>
+          <a:prstGeom prst="rect">
+            <a:avLst/>
+          </a:prstGeom>
+          <a:noFill/>
+          <a:ln/>
+        </p:spPr>
+        <p:txBody>
+          <a:bodyPr wrap="none" lIns="0" tIns="0" rIns="0" bIns="0" rtlCol="0" anchor="t"/>
+          <a:lstStyle/>
+          <a:p>
+            <a:pPr algn="l" indent="0" marL="0">
+              <a:lnSpc>
+                <a:spcPts val="2800"/>
+              </a:lnSpc>
+              <a:buNone/>
+            </a:pPr>
+            <a:r>
+              <a:rPr lang="en-US" sz="1750" dirty="0">
+                <a:solidFill>
+                  <a:srgbClr val="E0D6DE"/>
+                </a:solidFill>
+                <a:latin typeface="Fira Sans" pitchFamily="34" charset="0"/>
+                <a:ea typeface="Fira Sans" pitchFamily="34" charset="-122"/>
+                <a:cs typeface="Fira Sans" pitchFamily="34" charset="-120"/>
+              </a:rPr>
+              <a:t>UI principal y gestión de eventos</a:t>
+            </a:r>
+            <a:endParaRPr lang="en-US" sz="1750" dirty="0"/>
+          </a:p>
+        </p:txBody>
+      </p:sp>
+      <p:sp>
+        <p:nvSpPr>
+          <p:cNvPr id="20" name="Shape 18"/>
+          <p:cNvSpPr/>
+          <p:nvPr/>
+        </p:nvSpPr>
+        <p:spPr>
+          <a:xfrm>
+            <a:off x="785574" y="5019794"/>
+            <a:ext cx="13057942" cy="993219"/>
+          </a:xfrm>
+          <a:prstGeom prst="rect">
+            <a:avLst/>
+          </a:prstGeom>
+          <a:solidFill>
+            <a:srgbClr val="FFFFFF">
+              <a:alpha val="4000"/>
+            </a:srgbClr>
+          </a:solidFill>
+          <a:ln/>
+        </p:spPr>
+      </p:sp>
+      <p:sp>
+        <p:nvSpPr>
+          <p:cNvPr id="21" name="Text 19"/>
+          <p:cNvSpPr/>
+          <p:nvPr/>
+        </p:nvSpPr>
+        <p:spPr>
+          <a:xfrm>
+            <a:off x="1009174" y="5160764"/>
+            <a:ext cx="3903821" cy="355640"/>
+          </a:xfrm>
+          <a:prstGeom prst="rect">
+            <a:avLst/>
+          </a:prstGeom>
+          <a:noFill/>
+          <a:ln/>
+        </p:spPr>
+        <p:txBody>
+          <a:bodyPr wrap="none" lIns="0" tIns="0" rIns="0" bIns="0" rtlCol="0" anchor="t"/>
+          <a:lstStyle/>
+          <a:p>
+            <a:pPr algn="l" indent="0" marL="0">
+              <a:lnSpc>
+                <a:spcPts val="2800"/>
+              </a:lnSpc>
+              <a:buNone/>
+            </a:pPr>
+            <a:r>
+              <a:rPr lang="en-US" sz="1750" dirty="0">
+                <a:solidFill>
+                  <a:srgbClr val="E0D6DE"/>
+                </a:solidFill>
+                <a:latin typeface="Fira Sans" pitchFamily="34" charset="0"/>
+                <a:ea typeface="Fira Sans" pitchFamily="34" charset="-122"/>
+                <a:cs typeface="Fira Sans" pitchFamily="34" charset="-120"/>
+              </a:rPr>
+              <a:t>Operaciones</a:t>
+            </a:r>
+            <a:endParaRPr lang="en-US" sz="1750" dirty="0"/>
+          </a:p>
+        </p:txBody>
+      </p:sp>
+      <p:sp>
+        <p:nvSpPr>
+          <p:cNvPr id="22" name="Text 20"/>
+          <p:cNvSpPr/>
+          <p:nvPr/>
+        </p:nvSpPr>
+        <p:spPr>
+          <a:xfrm>
+            <a:off x="5365194" y="5160764"/>
+            <a:ext cx="3900011" cy="711279"/>
+          </a:xfrm>
+          <a:prstGeom prst="rect">
+            <a:avLst/>
+          </a:prstGeom>
+          <a:noFill/>
+          <a:ln/>
+        </p:spPr>
+        <p:txBody>
+          <a:bodyPr wrap="square" lIns="0" tIns="0" rIns="0" bIns="0" rtlCol="0" anchor="t"/>
+          <a:lstStyle/>
+          <a:p>
+            <a:pPr algn="l" indent="0" marL="0">
+              <a:lnSpc>
+                <a:spcPts val="2800"/>
+              </a:lnSpc>
+              <a:buNone/>
+            </a:pPr>
+            <a:r>
+              <a:rPr lang="en-US" sz="1750" dirty="0">
+                <a:solidFill>
+                  <a:srgbClr val="E0D6DE"/>
+                </a:solidFill>
+                <a:latin typeface="Fira Sans" pitchFamily="34" charset="0"/>
+                <a:ea typeface="Fira Sans" pitchFamily="34" charset="-122"/>
+                <a:cs typeface="Fira Sans" pitchFamily="34" charset="-120"/>
+              </a:rPr>
+              <a:t>VentanaAgregarEvento.java, VentanaEntradas.java</a:t>
+            </a:r>
+            <a:endParaRPr lang="en-US" sz="1750" dirty="0"/>
+          </a:p>
+        </p:txBody>
+      </p:sp>
+      <p:sp>
+        <p:nvSpPr>
+          <p:cNvPr id="23" name="Text 21"/>
+          <p:cNvSpPr/>
+          <p:nvPr/>
+        </p:nvSpPr>
+        <p:spPr>
+          <a:xfrm>
+            <a:off x="9717405" y="5160764"/>
+            <a:ext cx="3903821" cy="355640"/>
+          </a:xfrm>
+          <a:prstGeom prst="rect">
+            <a:avLst/>
+          </a:prstGeom>
+          <a:noFill/>
+          <a:ln/>
+        </p:spPr>
+        <p:txBody>
+          <a:bodyPr wrap="none" lIns="0" tIns="0" rIns="0" bIns="0" rtlCol="0" anchor="t"/>
+          <a:lstStyle/>
+          <a:p>
+            <a:pPr algn="l" indent="0" marL="0">
+              <a:lnSpc>
+                <a:spcPts val="2800"/>
+              </a:lnSpc>
+              <a:buNone/>
+            </a:pPr>
+            <a:r>
+              <a:rPr lang="en-US" sz="1750" dirty="0">
+                <a:solidFill>
+                  <a:srgbClr val="E0D6DE"/>
+                </a:solidFill>
+                <a:latin typeface="Fira Sans" pitchFamily="34" charset="0"/>
+                <a:ea typeface="Fira Sans" pitchFamily="34" charset="-122"/>
+                <a:cs typeface="Fira Sans" pitchFamily="34" charset="-120"/>
+              </a:rPr>
+              <a:t>Creación y venta</a:t>
+            </a:r>
+            <a:endParaRPr lang="en-US" sz="1750" dirty="0"/>
+          </a:p>
+        </p:txBody>
+      </p:sp>
+      <p:sp>
+        <p:nvSpPr>
+          <p:cNvPr id="24" name="Shape 22"/>
+          <p:cNvSpPr/>
+          <p:nvPr/>
+        </p:nvSpPr>
+        <p:spPr>
+          <a:xfrm>
+            <a:off x="785574" y="6013013"/>
+            <a:ext cx="13057942" cy="637580"/>
+          </a:xfrm>
+          <a:prstGeom prst="rect">
+            <a:avLst/>
+          </a:prstGeom>
+          <a:solidFill>
+            <a:srgbClr val="000000">
+              <a:alpha val="4000"/>
+            </a:srgbClr>
+          </a:solidFill>
+          <a:ln/>
+        </p:spPr>
+      </p:sp>
+      <p:sp>
+        <p:nvSpPr>
+          <p:cNvPr id="25" name="Text 23"/>
+          <p:cNvSpPr/>
+          <p:nvPr/>
+        </p:nvSpPr>
+        <p:spPr>
+          <a:xfrm>
+            <a:off x="1009174" y="6153983"/>
+            <a:ext cx="3903821" cy="355640"/>
+          </a:xfrm>
+          <a:prstGeom prst="rect">
+            <a:avLst/>
+          </a:prstGeom>
+          <a:noFill/>
+          <a:ln/>
+        </p:spPr>
+        <p:txBody>
+          <a:bodyPr wrap="none" lIns="0" tIns="0" rIns="0" bIns="0" rtlCol="0" anchor="t"/>
+          <a:lstStyle/>
+          <a:p>
+            <a:pPr algn="l" indent="0" marL="0">
+              <a:lnSpc>
+                <a:spcPts val="2800"/>
+              </a:lnSpc>
+              <a:buNone/>
+            </a:pPr>
+            <a:r>
+              <a:rPr lang="en-US" sz="1750" dirty="0">
+                <a:solidFill>
+                  <a:srgbClr val="E0D6DE"/>
+                </a:solidFill>
+                <a:latin typeface="Fira Sans" pitchFamily="34" charset="0"/>
+                <a:ea typeface="Fira Sans" pitchFamily="34" charset="-122"/>
+                <a:cs typeface="Fira Sans" pitchFamily="34" charset="-120"/>
+              </a:rPr>
+              <a:t>Análisis</a:t>
+            </a:r>
+            <a:endParaRPr lang="en-US" sz="1750" dirty="0"/>
+          </a:p>
+        </p:txBody>
+      </p:sp>
+      <p:sp>
+        <p:nvSpPr>
+          <p:cNvPr id="26" name="Text 24"/>
+          <p:cNvSpPr/>
+          <p:nvPr/>
+        </p:nvSpPr>
+        <p:spPr>
+          <a:xfrm>
+            <a:off x="5365194" y="6153983"/>
+            <a:ext cx="3900011" cy="355640"/>
+          </a:xfrm>
+          <a:prstGeom prst="rect">
+            <a:avLst/>
+          </a:prstGeom>
+          <a:noFill/>
+          <a:ln/>
+        </p:spPr>
+        <p:txBody>
+          <a:bodyPr wrap="none" lIns="0" tIns="0" rIns="0" bIns="0" rtlCol="0" anchor="t"/>
+          <a:lstStyle/>
+          <a:p>
+            <a:pPr algn="l" indent="0" marL="0">
+              <a:lnSpc>
+                <a:spcPts val="2800"/>
+              </a:lnSpc>
+              <a:buNone/>
+            </a:pPr>
+            <a:r>
+              <a:rPr lang="en-US" sz="1750" dirty="0">
+                <a:solidFill>
+                  <a:srgbClr val="E0D6DE"/>
+                </a:solidFill>
+                <a:latin typeface="Fira Sans" pitchFamily="34" charset="0"/>
+                <a:ea typeface="Fira Sans" pitchFamily="34" charset="-122"/>
+                <a:cs typeface="Fira Sans" pitchFamily="34" charset="-120"/>
+              </a:rPr>
+              <a:t>VentanaInformeEntradas.java</a:t>
+            </a:r>
+            <a:endParaRPr lang="en-US" sz="1750" dirty="0"/>
+          </a:p>
+        </p:txBody>
+      </p:sp>
+      <p:sp>
+        <p:nvSpPr>
+          <p:cNvPr id="27" name="Text 25"/>
+          <p:cNvSpPr/>
+          <p:nvPr/>
+        </p:nvSpPr>
+        <p:spPr>
+          <a:xfrm>
+            <a:off x="9717405" y="6153983"/>
+            <a:ext cx="3903821" cy="355640"/>
+          </a:xfrm>
+          <a:prstGeom prst="rect">
+            <a:avLst/>
+          </a:prstGeom>
+          <a:noFill/>
+          <a:ln/>
+        </p:spPr>
+        <p:txBody>
+          <a:bodyPr wrap="none" lIns="0" tIns="0" rIns="0" bIns="0" rtlCol="0" anchor="t"/>
+          <a:lstStyle/>
+          <a:p>
+            <a:pPr algn="l" indent="0" marL="0">
+              <a:lnSpc>
+                <a:spcPts val="2800"/>
+              </a:lnSpc>
+              <a:buNone/>
+            </a:pPr>
+            <a:r>
+              <a:rPr lang="en-US" sz="1750" dirty="0">
+                <a:solidFill>
+                  <a:srgbClr val="E0D6DE"/>
+                </a:solidFill>
+                <a:latin typeface="Fira Sans" pitchFamily="34" charset="0"/>
+                <a:ea typeface="Fira Sans" pitchFamily="34" charset="-122"/>
+                <a:cs typeface="Fira Sans" pitchFamily="34" charset="-120"/>
+              </a:rPr>
+              <a:t>Estadísticas e informes</a:t>
+            </a:r>
+            <a:endParaRPr lang="en-US" sz="1750" dirty="0"/>
+          </a:p>
+        </p:txBody>
+      </p:sp>
+      <p:sp>
+        <p:nvSpPr>
+          <p:cNvPr id="28" name="Text 26"/>
+          <p:cNvSpPr/>
+          <p:nvPr/>
+        </p:nvSpPr>
+        <p:spPr>
+          <a:xfrm>
+            <a:off x="777954" y="6908244"/>
+            <a:ext cx="13074491" cy="711279"/>
+          </a:xfrm>
+          <a:prstGeom prst="rect">
+            <a:avLst/>
+          </a:prstGeom>
+          <a:noFill/>
+          <a:ln/>
+        </p:spPr>
+        <p:txBody>
+          <a:bodyPr wrap="square" lIns="0" tIns="0" rIns="0" bIns="0" rtlCol="0" anchor="t"/>
+          <a:lstStyle/>
+          <a:p>
+            <a:pPr algn="l" indent="0" marL="0">
+              <a:lnSpc>
+                <a:spcPts val="2800"/>
+              </a:lnSpc>
+              <a:buNone/>
+            </a:pPr>
+            <a:r>
+              <a:rPr lang="en-US" sz="1750" dirty="0">
+                <a:solidFill>
+                  <a:srgbClr val="E0D6DE"/>
+                </a:solidFill>
+                <a:latin typeface="Fira Sans" pitchFamily="34" charset="0"/>
+                <a:ea typeface="Fira Sans" pitchFamily="34" charset="-122"/>
+                <a:cs typeface="Fira Sans" pitchFamily="34" charset="-120"/>
+              </a:rPr>
+              <a:t>EventManagerPro sigue un diseño modular basado en el patrón MVC (Modelo-Vista-Controlador). Esta arquitectura facilita el mantenimiento y la escalabilidad del sistema.</a:t>
+            </a:r>
+            <a:endParaRPr lang="en-US" sz="1750" dirty="0"/>
           </a:p>
         </p:txBody>
       </p:sp>
@@ -2584,11 +3266,11 @@
             <a:r>
               <a:rPr lang="en-US" sz="4450" dirty="0">
                 <a:solidFill>
-                  <a:srgbClr val="1B1B27"/>
-                </a:solidFill>
-                <a:latin typeface="Alexandria" pitchFamily="34" charset="0"/>
-                <a:ea typeface="Alexandria" pitchFamily="34" charset="-122"/>
-                <a:cs typeface="Alexandria" pitchFamily="34" charset="-120"/>
+                  <a:srgbClr val="FA95AF"/>
+                </a:solidFill>
+                <a:latin typeface="Anton" pitchFamily="34" charset="0"/>
+                <a:ea typeface="Anton" pitchFamily="34" charset="-122"/>
+                <a:cs typeface="Anton" pitchFamily="34" charset="-120"/>
               </a:rPr>
               <a:t>Interfaces Gráficas</a:t>
             </a:r>
@@ -2626,11 +3308,11 @@
             <a:r>
               <a:rPr lang="en-US" sz="2200" dirty="0">
                 <a:solidFill>
-                  <a:srgbClr val="404155"/>
-                </a:solidFill>
-                <a:latin typeface="Alexandria" pitchFamily="34" charset="0"/>
-                <a:ea typeface="Alexandria" pitchFamily="34" charset="-122"/>
-                <a:cs typeface="Alexandria" pitchFamily="34" charset="-120"/>
+                  <a:srgbClr val="E0D6DE"/>
+                </a:solidFill>
+                <a:latin typeface="Anton" pitchFamily="34" charset="0"/>
+                <a:ea typeface="Anton" pitchFamily="34" charset="-122"/>
+                <a:cs typeface="Anton" pitchFamily="34" charset="-120"/>
               </a:rPr>
               <a:t>VentanaInicio</a:t>
             </a:r>
@@ -2668,11 +3350,11 @@
             <a:r>
               <a:rPr lang="en-US" sz="1750" dirty="0">
                 <a:solidFill>
-                  <a:srgbClr val="404155"/>
-                </a:solidFill>
-                <a:latin typeface="Nobile" pitchFamily="34" charset="0"/>
-                <a:ea typeface="Nobile" pitchFamily="34" charset="-122"/>
-                <a:cs typeface="Nobile" pitchFamily="34" charset="-120"/>
+                  <a:srgbClr val="E0D6DE"/>
+                </a:solidFill>
+                <a:latin typeface="Fira Sans" pitchFamily="34" charset="0"/>
+                <a:ea typeface="Fira Sans" pitchFamily="34" charset="-122"/>
+                <a:cs typeface="Fira Sans" pitchFamily="34" charset="-120"/>
               </a:rPr>
               <a:t>Panel principal de navegación entre módulos.</a:t>
             </a:r>
@@ -2758,11 +3440,11 @@
             <a:r>
               <a:rPr lang="en-US" sz="2200" dirty="0">
                 <a:solidFill>
-                  <a:srgbClr val="404155"/>
-                </a:solidFill>
-                <a:latin typeface="Alexandria" pitchFamily="34" charset="0"/>
-                <a:ea typeface="Alexandria" pitchFamily="34" charset="-122"/>
-                <a:cs typeface="Alexandria" pitchFamily="34" charset="-120"/>
+                  <a:srgbClr val="E0D6DE"/>
+                </a:solidFill>
+                <a:latin typeface="Anton" pitchFamily="34" charset="0"/>
+                <a:ea typeface="Anton" pitchFamily="34" charset="-122"/>
+                <a:cs typeface="Anton" pitchFamily="34" charset="-120"/>
               </a:rPr>
               <a:t>VentanaEventos</a:t>
             </a:r>
@@ -2800,11 +3482,11 @@
             <a:r>
               <a:rPr lang="en-US" sz="1750" dirty="0">
                 <a:solidFill>
-                  <a:srgbClr val="404155"/>
-                </a:solidFill>
-                <a:latin typeface="Nobile" pitchFamily="34" charset="0"/>
-                <a:ea typeface="Nobile" pitchFamily="34" charset="-122"/>
-                <a:cs typeface="Nobile" pitchFamily="34" charset="-120"/>
+                  <a:srgbClr val="E0D6DE"/>
+                </a:solidFill>
+                <a:latin typeface="Fira Sans" pitchFamily="34" charset="0"/>
+                <a:ea typeface="Fira Sans" pitchFamily="34" charset="-122"/>
+                <a:cs typeface="Fira Sans" pitchFamily="34" charset="-120"/>
               </a:rPr>
               <a:t>Visualización y gestión de eventos disponibles.</a:t>
             </a:r>
@@ -2869,7 +3551,7 @@
         <p:spPr>
           <a:xfrm>
             <a:off x="10051256" y="4087773"/>
-            <a:ext cx="3264694" cy="354330"/>
+            <a:ext cx="2835235" cy="354330"/>
           </a:xfrm>
           <a:prstGeom prst="rect">
             <a:avLst/>
@@ -2890,11 +3572,11 @@
             <a:r>
               <a:rPr lang="en-US" sz="2200" dirty="0">
                 <a:solidFill>
-                  <a:srgbClr val="404155"/>
-                </a:solidFill>
-                <a:latin typeface="Alexandria" pitchFamily="34" charset="0"/>
-                <a:ea typeface="Alexandria" pitchFamily="34" charset="-122"/>
-                <a:cs typeface="Alexandria" pitchFamily="34" charset="-120"/>
+                  <a:srgbClr val="E0D6DE"/>
+                </a:solidFill>
+                <a:latin typeface="Anton" pitchFamily="34" charset="0"/>
+                <a:ea typeface="Anton" pitchFamily="34" charset="-122"/>
+                <a:cs typeface="Anton" pitchFamily="34" charset="-120"/>
               </a:rPr>
               <a:t>VentanaAgregarEvento</a:t>
             </a:r>
@@ -2932,11 +3614,11 @@
             <a:r>
               <a:rPr lang="en-US" sz="1750" dirty="0">
                 <a:solidFill>
-                  <a:srgbClr val="404155"/>
-                </a:solidFill>
-                <a:latin typeface="Nobile" pitchFamily="34" charset="0"/>
-                <a:ea typeface="Nobile" pitchFamily="34" charset="-122"/>
-                <a:cs typeface="Nobile" pitchFamily="34" charset="-120"/>
+                  <a:srgbClr val="E0D6DE"/>
+                </a:solidFill>
+                <a:latin typeface="Fira Sans" pitchFamily="34" charset="0"/>
+                <a:ea typeface="Fira Sans" pitchFamily="34" charset="-122"/>
+                <a:cs typeface="Fira Sans" pitchFamily="34" charset="-120"/>
               </a:rPr>
               <a:t>Formulario para crear nuevos eventos.</a:t>
             </a:r>
@@ -3022,11 +3704,11 @@
             <a:r>
               <a:rPr lang="en-US" sz="2200" dirty="0">
                 <a:solidFill>
-                  <a:srgbClr val="404155"/>
-                </a:solidFill>
-                <a:latin typeface="Alexandria" pitchFamily="34" charset="0"/>
-                <a:ea typeface="Alexandria" pitchFamily="34" charset="-122"/>
-                <a:cs typeface="Alexandria" pitchFamily="34" charset="-120"/>
+                  <a:srgbClr val="E0D6DE"/>
+                </a:solidFill>
+                <a:latin typeface="Anton" pitchFamily="34" charset="0"/>
+                <a:ea typeface="Anton" pitchFamily="34" charset="-122"/>
+                <a:cs typeface="Anton" pitchFamily="34" charset="-120"/>
               </a:rPr>
               <a:t>VentanaEntradas</a:t>
             </a:r>
@@ -3064,11 +3746,11 @@
             <a:r>
               <a:rPr lang="en-US" sz="1750" dirty="0">
                 <a:solidFill>
-                  <a:srgbClr val="404155"/>
-                </a:solidFill>
-                <a:latin typeface="Nobile" pitchFamily="34" charset="0"/>
-                <a:ea typeface="Nobile" pitchFamily="34" charset="-122"/>
-                <a:cs typeface="Nobile" pitchFamily="34" charset="-120"/>
+                  <a:srgbClr val="E0D6DE"/>
+                </a:solidFill>
+                <a:latin typeface="Fira Sans" pitchFamily="34" charset="0"/>
+                <a:ea typeface="Fira Sans" pitchFamily="34" charset="-122"/>
+                <a:cs typeface="Fira Sans" pitchFamily="34" charset="-120"/>
               </a:rPr>
               <a:t>Sistema para vender y administrar entradas.</a:t>
             </a:r>
@@ -3132,8 +3814,8 @@
         </p:nvSpPr>
         <p:spPr>
           <a:xfrm>
-            <a:off x="1146929" y="5314117"/>
-            <a:ext cx="3545562" cy="354330"/>
+            <a:off x="1857256" y="5314117"/>
+            <a:ext cx="2835235" cy="354330"/>
           </a:xfrm>
           <a:prstGeom prst="rect">
             <a:avLst/>
@@ -3154,11 +3836,11 @@
             <a:r>
               <a:rPr lang="en-US" sz="2200" dirty="0">
                 <a:solidFill>
-                  <a:srgbClr val="404155"/>
-                </a:solidFill>
-                <a:latin typeface="Alexandria" pitchFamily="34" charset="0"/>
-                <a:ea typeface="Alexandria" pitchFamily="34" charset="-122"/>
-                <a:cs typeface="Alexandria" pitchFamily="34" charset="-120"/>
+                  <a:srgbClr val="E0D6DE"/>
+                </a:solidFill>
+                <a:latin typeface="Anton" pitchFamily="34" charset="0"/>
+                <a:ea typeface="Anton" pitchFamily="34" charset="-122"/>
+                <a:cs typeface="Anton" pitchFamily="34" charset="-120"/>
               </a:rPr>
               <a:t>VentanaInformeEntradas</a:t>
             </a:r>
@@ -3196,11 +3878,11 @@
             <a:r>
               <a:rPr lang="en-US" sz="1750" dirty="0">
                 <a:solidFill>
-                  <a:srgbClr val="404155"/>
-                </a:solidFill>
-                <a:latin typeface="Nobile" pitchFamily="34" charset="0"/>
-                <a:ea typeface="Nobile" pitchFamily="34" charset="-122"/>
-                <a:cs typeface="Nobile" pitchFamily="34" charset="-120"/>
+                  <a:srgbClr val="E0D6DE"/>
+                </a:solidFill>
+                <a:latin typeface="Fira Sans" pitchFamily="34" charset="0"/>
+                <a:ea typeface="Fira Sans" pitchFamily="34" charset="-122"/>
+                <a:cs typeface="Fira Sans" pitchFamily="34" charset="-120"/>
               </a:rPr>
               <a:t>Visualización de estadísticas de ventas.</a:t>
             </a:r>
@@ -3314,7 +3996,7 @@
         <p:spPr>
           <a:xfrm>
             <a:off x="6280190" y="2250877"/>
-            <a:ext cx="6394966" cy="708779"/>
+            <a:ext cx="5670590" cy="708779"/>
           </a:xfrm>
           <a:prstGeom prst="rect">
             <a:avLst/>
@@ -3335,11 +4017,11 @@
             <a:r>
               <a:rPr lang="en-US" sz="4450" dirty="0">
                 <a:solidFill>
-                  <a:srgbClr val="1B1B27"/>
-                </a:solidFill>
-                <a:latin typeface="Alexandria" pitchFamily="34" charset="0"/>
-                <a:ea typeface="Alexandria" pitchFamily="34" charset="-122"/>
-                <a:cs typeface="Alexandria" pitchFamily="34" charset="-120"/>
+                  <a:srgbClr val="FA95AF"/>
+                </a:solidFill>
+                <a:latin typeface="Anton" pitchFamily="34" charset="0"/>
+                <a:ea typeface="Anton" pitchFamily="34" charset="-122"/>
+                <a:cs typeface="Anton" pitchFamily="34" charset="-120"/>
               </a:rPr>
               <a:t>Requisitos del Sistema</a:t>
             </a:r>
@@ -3360,18 +4042,13 @@
           </a:xfrm>
           <a:prstGeom prst="roundRect">
             <a:avLst>
-              <a:gd name="adj" fmla="val 18669"/>
+              <a:gd name="adj" fmla="val 6667"/>
             </a:avLst>
           </a:prstGeom>
           <a:solidFill>
-            <a:srgbClr val="D2DDF9"/>
+            <a:srgbClr val="3E3E3E"/>
           </a:solidFill>
-          <a:ln w="7620">
-            <a:solidFill>
-              <a:srgbClr val="B8C3DF"/>
-            </a:solidFill>
-            <a:prstDash val="solid"/>
-          </a:ln>
+          <a:ln/>
         </p:spPr>
       </p:sp>
       <p:pic>
@@ -3428,11 +4105,11 @@
             <a:r>
               <a:rPr lang="en-US" sz="2200" dirty="0">
                 <a:solidFill>
-                  <a:srgbClr val="404155"/>
-                </a:solidFill>
-                <a:latin typeface="Alexandria" pitchFamily="34" charset="0"/>
-                <a:ea typeface="Alexandria" pitchFamily="34" charset="-122"/>
-                <a:cs typeface="Alexandria" pitchFamily="34" charset="-120"/>
+                  <a:srgbClr val="E0D6DE"/>
+                </a:solidFill>
+                <a:latin typeface="Anton" pitchFamily="34" charset="0"/>
+                <a:ea typeface="Anton" pitchFamily="34" charset="-122"/>
+                <a:cs typeface="Anton" pitchFamily="34" charset="-120"/>
               </a:rPr>
               <a:t>Java JDK 8+</a:t>
             </a:r>
@@ -3470,11 +4147,11 @@
             <a:r>
               <a:rPr lang="en-US" sz="1750" dirty="0">
                 <a:solidFill>
-                  <a:srgbClr val="404155"/>
-                </a:solidFill>
-                <a:latin typeface="Nobile" pitchFamily="34" charset="0"/>
-                <a:ea typeface="Nobile" pitchFamily="34" charset="-122"/>
-                <a:cs typeface="Nobile" pitchFamily="34" charset="-120"/>
+                  <a:srgbClr val="E0D6DE"/>
+                </a:solidFill>
+                <a:latin typeface="Fira Sans" pitchFamily="34" charset="0"/>
+                <a:ea typeface="Fira Sans" pitchFamily="34" charset="-122"/>
+                <a:cs typeface="Fira Sans" pitchFamily="34" charset="-120"/>
               </a:rPr>
               <a:t>Entorno de desarrollo Java versión 8 o superior.</a:t>
             </a:r>
@@ -3495,18 +4172,13 @@
           </a:xfrm>
           <a:prstGeom prst="roundRect">
             <a:avLst>
-              <a:gd name="adj" fmla="val 18669"/>
+              <a:gd name="adj" fmla="val 6667"/>
             </a:avLst>
           </a:prstGeom>
           <a:solidFill>
-            <a:srgbClr val="D2DDF9"/>
+            <a:srgbClr val="3E3E3E"/>
           </a:solidFill>
-          <a:ln w="7620">
-            <a:solidFill>
-              <a:srgbClr val="B8C3DF"/>
-            </a:solidFill>
-            <a:prstDash val="solid"/>
-          </a:ln>
+          <a:ln/>
         </p:spPr>
       </p:sp>
       <p:pic>
@@ -3563,11 +4235,11 @@
             <a:r>
               <a:rPr lang="en-US" sz="2200" dirty="0">
                 <a:solidFill>
-                  <a:srgbClr val="404155"/>
-                </a:solidFill>
-                <a:latin typeface="Alexandria" pitchFamily="34" charset="0"/>
-                <a:ea typeface="Alexandria" pitchFamily="34" charset="-122"/>
-                <a:cs typeface="Alexandria" pitchFamily="34" charset="-120"/>
+                  <a:srgbClr val="E0D6DE"/>
+                </a:solidFill>
+                <a:latin typeface="Anton" pitchFamily="34" charset="0"/>
+                <a:ea typeface="Anton" pitchFamily="34" charset="-122"/>
+                <a:cs typeface="Anton" pitchFamily="34" charset="-120"/>
               </a:rPr>
               <a:t>MySQL</a:t>
             </a:r>
@@ -3605,11 +4277,11 @@
             <a:r>
               <a:rPr lang="en-US" sz="1750" dirty="0">
                 <a:solidFill>
-                  <a:srgbClr val="404155"/>
-                </a:solidFill>
-                <a:latin typeface="Nobile" pitchFamily="34" charset="0"/>
-                <a:ea typeface="Nobile" pitchFamily="34" charset="-122"/>
-                <a:cs typeface="Nobile" pitchFamily="34" charset="-120"/>
+                  <a:srgbClr val="E0D6DE"/>
+                </a:solidFill>
+                <a:latin typeface="Fira Sans" pitchFamily="34" charset="0"/>
+                <a:ea typeface="Fira Sans" pitchFamily="34" charset="-122"/>
+                <a:cs typeface="Fira Sans" pitchFamily="34" charset="-120"/>
               </a:rPr>
               <a:t>Servidor de base de datos con esquema configurado.</a:t>
             </a:r>
@@ -3630,18 +4302,13 @@
           </a:xfrm>
           <a:prstGeom prst="roundRect">
             <a:avLst>
-              <a:gd name="adj" fmla="val 18669"/>
+              <a:gd name="adj" fmla="val 6667"/>
             </a:avLst>
           </a:prstGeom>
           <a:solidFill>
-            <a:srgbClr val="D2DDF9"/>
+            <a:srgbClr val="3E3E3E"/>
           </a:solidFill>
-          <a:ln w="7620">
-            <a:solidFill>
-              <a:srgbClr val="B8C3DF"/>
-            </a:solidFill>
-            <a:prstDash val="solid"/>
-          </a:ln>
+          <a:ln/>
         </p:spPr>
       </p:sp>
       <p:pic>
@@ -3698,11 +4365,11 @@
             <a:r>
               <a:rPr lang="en-US" sz="2200" dirty="0">
                 <a:solidFill>
-                  <a:srgbClr val="404155"/>
-                </a:solidFill>
-                <a:latin typeface="Alexandria" pitchFamily="34" charset="0"/>
-                <a:ea typeface="Alexandria" pitchFamily="34" charset="-122"/>
-                <a:cs typeface="Alexandria" pitchFamily="34" charset="-120"/>
+                  <a:srgbClr val="E0D6DE"/>
+                </a:solidFill>
+                <a:latin typeface="Anton" pitchFamily="34" charset="0"/>
+                <a:ea typeface="Anton" pitchFamily="34" charset="-122"/>
+                <a:cs typeface="Anton" pitchFamily="34" charset="-120"/>
               </a:rPr>
               <a:t>JDBC Connector</a:t>
             </a:r>
@@ -3740,11 +4407,11 @@
             <a:r>
               <a:rPr lang="en-US" sz="1750" dirty="0">
                 <a:solidFill>
-                  <a:srgbClr val="404155"/>
-                </a:solidFill>
-                <a:latin typeface="Nobile" pitchFamily="34" charset="0"/>
-                <a:ea typeface="Nobile" pitchFamily="34" charset="-122"/>
-                <a:cs typeface="Nobile" pitchFamily="34" charset="-120"/>
+                  <a:srgbClr val="E0D6DE"/>
+                </a:solidFill>
+                <a:latin typeface="Fira Sans" pitchFamily="34" charset="0"/>
+                <a:ea typeface="Fira Sans" pitchFamily="34" charset="-122"/>
+                <a:cs typeface="Fira Sans" pitchFamily="34" charset="-120"/>
               </a:rPr>
               <a:t>Librería para conectar Java con MySQL.</a:t>
             </a:r>
@@ -3809,8 +4476,8 @@
         </p:nvSpPr>
         <p:spPr>
           <a:xfrm>
-            <a:off x="6280190" y="1607225"/>
-            <a:ext cx="5808702" cy="708779"/>
+            <a:off x="6280190" y="885706"/>
+            <a:ext cx="5670590" cy="708779"/>
           </a:xfrm>
           <a:prstGeom prst="rect">
             <a:avLst/>
@@ -3831,11 +4498,11 @@
             <a:r>
               <a:rPr lang="en-US" sz="4450" dirty="0">
                 <a:solidFill>
-                  <a:srgbClr val="1B1B27"/>
-                </a:solidFill>
-                <a:latin typeface="Alexandria" pitchFamily="34" charset="0"/>
-                <a:ea typeface="Alexandria" pitchFamily="34" charset="-122"/>
-                <a:cs typeface="Alexandria" pitchFamily="34" charset="-120"/>
+                  <a:srgbClr val="FA95AF"/>
+                </a:solidFill>
+                <a:latin typeface="Anton" pitchFamily="34" charset="0"/>
+                <a:ea typeface="Anton" pitchFamily="34" charset="-122"/>
+                <a:cs typeface="Anton" pitchFamily="34" charset="-120"/>
               </a:rPr>
               <a:t>Configuración Inicial</a:t>
             </a:r>
@@ -3851,23 +4518,18 @@
         </p:nvSpPr>
         <p:spPr>
           <a:xfrm>
-            <a:off x="6280190" y="2656165"/>
+            <a:off x="6280190" y="1934647"/>
             <a:ext cx="170021" cy="853321"/>
           </a:xfrm>
           <a:prstGeom prst="roundRect">
             <a:avLst>
-              <a:gd name="adj" fmla="val 56033"/>
+              <a:gd name="adj" fmla="val 20012"/>
             </a:avLst>
           </a:prstGeom>
           <a:solidFill>
-            <a:srgbClr val="D2DDF9"/>
+            <a:srgbClr val="3E3E3E"/>
           </a:solidFill>
-          <a:ln w="7620">
-            <a:solidFill>
-              <a:srgbClr val="B8C3DF"/>
-            </a:solidFill>
-            <a:prstDash val="solid"/>
-          </a:ln>
+          <a:ln/>
         </p:spPr>
       </p:sp>
       <p:sp>
@@ -3878,7 +4540,7 @@
         </p:nvSpPr>
         <p:spPr>
           <a:xfrm>
-            <a:off x="6790373" y="2656165"/>
+            <a:off x="6790373" y="1934647"/>
             <a:ext cx="2835235" cy="354330"/>
           </a:xfrm>
           <a:prstGeom prst="rect">
@@ -3900,11 +4562,11 @@
             <a:r>
               <a:rPr lang="en-US" sz="2200" dirty="0">
                 <a:solidFill>
-                  <a:srgbClr val="404155"/>
-                </a:solidFill>
-                <a:latin typeface="Alexandria" pitchFamily="34" charset="0"/>
-                <a:ea typeface="Alexandria" pitchFamily="34" charset="-122"/>
-                <a:cs typeface="Alexandria" pitchFamily="34" charset="-120"/>
+                  <a:srgbClr val="E0D6DE"/>
+                </a:solidFill>
+                <a:latin typeface="Anton" pitchFamily="34" charset="0"/>
+                <a:ea typeface="Anton" pitchFamily="34" charset="-122"/>
+                <a:cs typeface="Anton" pitchFamily="34" charset="-120"/>
               </a:rPr>
               <a:t>Crear Base de Datos</a:t>
             </a:r>
@@ -3920,7 +4582,7 @@
         </p:nvSpPr>
         <p:spPr>
           <a:xfrm>
-            <a:off x="6790373" y="3146584"/>
+            <a:off x="6790373" y="2425065"/>
             <a:ext cx="7046238" cy="362903"/>
           </a:xfrm>
           <a:prstGeom prst="rect">
@@ -3942,11 +4604,11 @@
             <a:r>
               <a:rPr lang="en-US" sz="1750" dirty="0">
                 <a:solidFill>
-                  <a:srgbClr val="404155"/>
-                </a:solidFill>
-                <a:latin typeface="Nobile" pitchFamily="34" charset="0"/>
-                <a:ea typeface="Nobile" pitchFamily="34" charset="-122"/>
-                <a:cs typeface="Nobile" pitchFamily="34" charset="-120"/>
+                  <a:srgbClr val="E0D6DE"/>
+                </a:solidFill>
+                <a:latin typeface="Fira Sans" pitchFamily="34" charset="0"/>
+                <a:ea typeface="Fira Sans" pitchFamily="34" charset="-122"/>
+                <a:cs typeface="Fira Sans" pitchFamily="34" charset="-120"/>
               </a:rPr>
               <a:t>Ejecutar el script SQL adjunto para generar tablas necesarias.</a:t>
             </a:r>
@@ -3962,23 +4624,18 @@
         </p:nvSpPr>
         <p:spPr>
           <a:xfrm>
-            <a:off x="6620351" y="3736300"/>
-            <a:ext cx="170021" cy="1216223"/>
+            <a:off x="6620351" y="3014782"/>
+            <a:ext cx="170021" cy="853321"/>
           </a:xfrm>
           <a:prstGeom prst="roundRect">
             <a:avLst>
-              <a:gd name="adj" fmla="val 56033"/>
+              <a:gd name="adj" fmla="val 20012"/>
             </a:avLst>
           </a:prstGeom>
           <a:solidFill>
-            <a:srgbClr val="D2DDF9"/>
+            <a:srgbClr val="3E3E3E"/>
           </a:solidFill>
-          <a:ln w="7620">
-            <a:solidFill>
-              <a:srgbClr val="B8C3DF"/>
-            </a:solidFill>
-            <a:prstDash val="solid"/>
-          </a:ln>
+          <a:ln/>
         </p:spPr>
       </p:sp>
       <p:sp>
@@ -3989,8 +4646,8 @@
         </p:nvSpPr>
         <p:spPr>
           <a:xfrm>
-            <a:off x="7130534" y="3736300"/>
-            <a:ext cx="2884527" cy="354330"/>
+            <a:off x="7130534" y="3014782"/>
+            <a:ext cx="2835235" cy="354330"/>
           </a:xfrm>
           <a:prstGeom prst="rect">
             <a:avLst/>
@@ -4011,11 +4668,11 @@
             <a:r>
               <a:rPr lang="en-US" sz="2200" dirty="0">
                 <a:solidFill>
-                  <a:srgbClr val="404155"/>
-                </a:solidFill>
-                <a:latin typeface="Alexandria" pitchFamily="34" charset="0"/>
-                <a:ea typeface="Alexandria" pitchFamily="34" charset="-122"/>
-                <a:cs typeface="Alexandria" pitchFamily="34" charset="-120"/>
+                  <a:srgbClr val="E0D6DE"/>
+                </a:solidFill>
+                <a:latin typeface="Anton" pitchFamily="34" charset="0"/>
+                <a:ea typeface="Anton" pitchFamily="34" charset="-122"/>
+                <a:cs typeface="Anton" pitchFamily="34" charset="-120"/>
               </a:rPr>
               <a:t>Configurar Conexión</a:t>
             </a:r>
@@ -4031,17 +4688,17 @@
         </p:nvSpPr>
         <p:spPr>
           <a:xfrm>
-            <a:off x="7130534" y="4226719"/>
-            <a:ext cx="6706076" cy="725805"/>
-          </a:xfrm>
-          <a:prstGeom prst="rect">
-            <a:avLst/>
-          </a:prstGeom>
-          <a:noFill/>
-          <a:ln/>
-        </p:spPr>
-        <p:txBody>
-          <a:bodyPr wrap="square" lIns="0" tIns="0" rIns="0" bIns="0" rtlCol="0" anchor="t"/>
+            <a:off x="7130534" y="3505200"/>
+            <a:ext cx="6706076" cy="362903"/>
+          </a:xfrm>
+          <a:prstGeom prst="rect">
+            <a:avLst/>
+          </a:prstGeom>
+          <a:noFill/>
+          <a:ln/>
+        </p:spPr>
+        <p:txBody>
+          <a:bodyPr wrap="none" lIns="0" tIns="0" rIns="0" bIns="0" rtlCol="0" anchor="t"/>
           <a:lstStyle/>
           <a:p>
             <a:pPr algn="l" indent="0" marL="0">
@@ -4053,11 +4710,11 @@
             <a:r>
               <a:rPr lang="en-US" sz="1750" dirty="0">
                 <a:solidFill>
-                  <a:srgbClr val="404155"/>
-                </a:solidFill>
-                <a:latin typeface="Nobile" pitchFamily="34" charset="0"/>
-                <a:ea typeface="Nobile" pitchFamily="34" charset="-122"/>
-                <a:cs typeface="Nobile" pitchFamily="34" charset="-120"/>
+                  <a:srgbClr val="E0D6DE"/>
+                </a:solidFill>
+                <a:latin typeface="Fira Sans" pitchFamily="34" charset="0"/>
+                <a:ea typeface="Fira Sans" pitchFamily="34" charset="-122"/>
+                <a:cs typeface="Fira Sans" pitchFamily="34" charset="-120"/>
               </a:rPr>
               <a:t>Modificar credenciales en Conexion.java con datos del servidor.</a:t>
             </a:r>
@@ -4073,23 +4730,18 @@
         </p:nvSpPr>
         <p:spPr>
           <a:xfrm>
-            <a:off x="6960632" y="5179338"/>
+            <a:off x="6960632" y="4094917"/>
             <a:ext cx="170021" cy="1216223"/>
           </a:xfrm>
           <a:prstGeom prst="roundRect">
             <a:avLst>
-              <a:gd name="adj" fmla="val 56033"/>
+              <a:gd name="adj" fmla="val 20012"/>
             </a:avLst>
           </a:prstGeom>
           <a:solidFill>
-            <a:srgbClr val="D2DDF9"/>
+            <a:srgbClr val="3E3E3E"/>
           </a:solidFill>
-          <a:ln w="7620">
-            <a:solidFill>
-              <a:srgbClr val="B8C3DF"/>
-            </a:solidFill>
-            <a:prstDash val="solid"/>
-          </a:ln>
+          <a:ln/>
         </p:spPr>
       </p:sp>
       <p:sp>
@@ -4100,7 +4752,7 @@
         </p:nvSpPr>
         <p:spPr>
           <a:xfrm>
-            <a:off x="7470815" y="5179338"/>
+            <a:off x="7470815" y="4094917"/>
             <a:ext cx="2835235" cy="354330"/>
           </a:xfrm>
           <a:prstGeom prst="rect">
@@ -4122,11 +4774,11 @@
             <a:r>
               <a:rPr lang="en-US" sz="2200" dirty="0">
                 <a:solidFill>
-                  <a:srgbClr val="404155"/>
-                </a:solidFill>
-                <a:latin typeface="Alexandria" pitchFamily="34" charset="0"/>
-                <a:ea typeface="Alexandria" pitchFamily="34" charset="-122"/>
-                <a:cs typeface="Alexandria" pitchFamily="34" charset="-120"/>
+                  <a:srgbClr val="E0D6DE"/>
+                </a:solidFill>
+                <a:latin typeface="Anton" pitchFamily="34" charset="0"/>
+                <a:ea typeface="Anton" pitchFamily="34" charset="-122"/>
+                <a:cs typeface="Anton" pitchFamily="34" charset="-120"/>
               </a:rPr>
               <a:t>Compilar y Ejecutar</a:t>
             </a:r>
@@ -4142,7 +4794,7 @@
         </p:nvSpPr>
         <p:spPr>
           <a:xfrm>
-            <a:off x="7470815" y="5669756"/>
+            <a:off x="7470815" y="4585335"/>
             <a:ext cx="6365796" cy="725805"/>
           </a:xfrm>
           <a:prstGeom prst="rect">
@@ -4164,13 +4816,119 @@
             <a:r>
               <a:rPr lang="en-US" sz="1750" dirty="0">
                 <a:solidFill>
-                  <a:srgbClr val="404155"/>
-                </a:solidFill>
-                <a:latin typeface="Nobile" pitchFamily="34" charset="0"/>
-                <a:ea typeface="Nobile" pitchFamily="34" charset="-122"/>
-                <a:cs typeface="Nobile" pitchFamily="34" charset="-120"/>
+                  <a:srgbClr val="E0D6DE"/>
+                </a:solidFill>
+                <a:latin typeface="Fira Sans" pitchFamily="34" charset="0"/>
+                <a:ea typeface="Fira Sans" pitchFamily="34" charset="-122"/>
+                <a:cs typeface="Fira Sans" pitchFamily="34" charset="-120"/>
               </a:rPr>
               <a:t>Iniciar la aplicación desde Main.java para verificar funcionamiento.</a:t>
+            </a:r>
+            <a:endParaRPr lang="en-US" sz="1750" dirty="0"/>
+          </a:p>
+        </p:txBody>
+      </p:sp>
+      <p:sp>
+        <p:nvSpPr>
+          <p:cNvPr id="13" name="Shape 10"/>
+          <p:cNvSpPr/>
+          <p:nvPr/>
+        </p:nvSpPr>
+        <p:spPr>
+          <a:xfrm>
+            <a:off x="7300913" y="5537954"/>
+            <a:ext cx="170021" cy="1579126"/>
+          </a:xfrm>
+          <a:prstGeom prst="roundRect">
+            <a:avLst>
+              <a:gd name="adj" fmla="val 20012"/>
+            </a:avLst>
+          </a:prstGeom>
+          <a:solidFill>
+            <a:srgbClr val="3E3E3E"/>
+          </a:solidFill>
+          <a:ln/>
+        </p:spPr>
+      </p:sp>
+      <p:sp>
+        <p:nvSpPr>
+          <p:cNvPr id="14" name="Text 11"/>
+          <p:cNvSpPr/>
+          <p:nvPr/>
+        </p:nvSpPr>
+        <p:spPr>
+          <a:xfrm>
+            <a:off x="7811095" y="5537954"/>
+            <a:ext cx="2835235" cy="354330"/>
+          </a:xfrm>
+          <a:prstGeom prst="rect">
+            <a:avLst/>
+          </a:prstGeom>
+          <a:noFill/>
+          <a:ln/>
+        </p:spPr>
+        <p:txBody>
+          <a:bodyPr wrap="none" lIns="0" tIns="0" rIns="0" bIns="0" rtlCol="0" anchor="t"/>
+          <a:lstStyle/>
+          <a:p>
+            <a:pPr algn="l" indent="0" marL="0">
+              <a:lnSpc>
+                <a:spcPts val="2750"/>
+              </a:lnSpc>
+              <a:buNone/>
+            </a:pPr>
+            <a:r>
+              <a:rPr lang="en-US" sz="2200" dirty="0">
+                <a:solidFill>
+                  <a:srgbClr val="E0D6DE"/>
+                </a:solidFill>
+                <a:latin typeface="Anton" pitchFamily="34" charset="0"/>
+                <a:ea typeface="Anton" pitchFamily="34" charset="-122"/>
+                <a:cs typeface="Anton" pitchFamily="34" charset="-120"/>
+              </a:rPr>
+              <a:t>Añadir Librerías</a:t>
+            </a:r>
+            <a:endParaRPr lang="en-US" sz="2200" dirty="0"/>
+          </a:p>
+        </p:txBody>
+      </p:sp>
+      <p:sp>
+        <p:nvSpPr>
+          <p:cNvPr id="15" name="Text 12"/>
+          <p:cNvSpPr/>
+          <p:nvPr/>
+        </p:nvSpPr>
+        <p:spPr>
+          <a:xfrm>
+            <a:off x="7811095" y="6028373"/>
+            <a:ext cx="6025515" cy="1088708"/>
+          </a:xfrm>
+          <a:prstGeom prst="rect">
+            <a:avLst/>
+          </a:prstGeom>
+          <a:noFill/>
+          <a:ln/>
+        </p:spPr>
+        <p:txBody>
+          <a:bodyPr wrap="square" lIns="0" tIns="0" rIns="0" bIns="0" rtlCol="0" anchor="t"/>
+          <a:lstStyle/>
+          <a:p>
+            <a:pPr algn="l" indent="0" marL="0">
+              <a:lnSpc>
+                <a:spcPts val="2850"/>
+              </a:lnSpc>
+              <a:buNone/>
+            </a:pPr>
+            <a:r>
+              <a:rPr lang="en-US" sz="1750" dirty="0">
+                <a:solidFill>
+                  <a:srgbClr val="E0D6DE"/>
+                </a:solidFill>
+                <a:latin typeface="Fira Sans" pitchFamily="34" charset="0"/>
+                <a:ea typeface="Fira Sans" pitchFamily="34" charset="-122"/>
+                <a:cs typeface="Fira Sans" pitchFamily="34" charset="-120"/>
+              </a:rPr>
+              <a:t>Para que el código funcione correctamente, deberemos importar las la carpeta "libs" adjuntada en el repositorio GitHub.</a:t>
             </a:r>
             <a:endParaRPr lang="en-US" sz="1750" dirty="0"/>
           </a:p>
@@ -4218,7 +4976,7 @@
         <p:spPr>
           <a:xfrm>
             <a:off x="0" y="0"/>
-            <a:ext cx="5486400" cy="8229600"/>
+            <a:ext cx="5486400" cy="8231743"/>
           </a:xfrm>
           <a:prstGeom prst="rect">
             <a:avLst/>
@@ -4233,8 +4991,8 @@
         </p:nvSpPr>
         <p:spPr>
           <a:xfrm>
-            <a:off x="6212919" y="734497"/>
-            <a:ext cx="5190053" cy="648653"/>
+            <a:off x="6249114" y="599242"/>
+            <a:ext cx="5448657" cy="681038"/>
           </a:xfrm>
           <a:prstGeom prst="rect">
             <a:avLst/>
@@ -4248,22 +5006,22 @@
           <a:p>
             <a:pPr algn="l" indent="0" marL="0">
               <a:lnSpc>
-                <a:spcPts val="5100"/>
-              </a:lnSpc>
-              <a:buNone/>
-            </a:pPr>
-            <a:r>
-              <a:rPr lang="en-US" sz="4050" dirty="0">
-                <a:solidFill>
-                  <a:srgbClr val="1B1B27"/>
-                </a:solidFill>
-                <a:latin typeface="Alexandria" pitchFamily="34" charset="0"/>
-                <a:ea typeface="Alexandria" pitchFamily="34" charset="-122"/>
-                <a:cs typeface="Alexandria" pitchFamily="34" charset="-120"/>
+                <a:spcPts val="5350"/>
+              </a:lnSpc>
+              <a:buNone/>
+            </a:pPr>
+            <a:r>
+              <a:rPr lang="en-US" sz="4250" dirty="0">
+                <a:solidFill>
+                  <a:srgbClr val="FA95AF"/>
+                </a:solidFill>
+                <a:latin typeface="Anton" pitchFamily="34" charset="0"/>
+                <a:ea typeface="Anton" pitchFamily="34" charset="-122"/>
+                <a:cs typeface="Anton" pitchFamily="34" charset="-120"/>
               </a:rPr>
               <a:t>Guía de Uso</a:t>
             </a:r>
-            <a:endParaRPr lang="en-US" sz="4050" dirty="0"/>
+            <a:endParaRPr lang="en-US" sz="4250" dirty="0"/>
           </a:p>
         </p:txBody>
       </p:sp>
@@ -4275,23 +5033,18 @@
         </p:nvSpPr>
         <p:spPr>
           <a:xfrm>
-            <a:off x="6212919" y="1694498"/>
-            <a:ext cx="7690961" cy="1543645"/>
+            <a:off x="6249114" y="1607106"/>
+            <a:ext cx="7618571" cy="1604486"/>
           </a:xfrm>
           <a:prstGeom prst="roundRect">
             <a:avLst>
-              <a:gd name="adj" fmla="val 5649"/>
+              <a:gd name="adj" fmla="val 2038"/>
             </a:avLst>
           </a:prstGeom>
           <a:solidFill>
-            <a:srgbClr val="D2DDF9"/>
+            <a:srgbClr val="3E3E3E"/>
           </a:solidFill>
-          <a:ln w="7620">
-            <a:solidFill>
-              <a:srgbClr val="B8C3DF"/>
-            </a:solidFill>
-            <a:prstDash val="solid"/>
-          </a:ln>
+          <a:ln/>
         </p:spPr>
       </p:sp>
       <p:sp>
@@ -4302,8 +5055,8 @@
         </p:nvSpPr>
         <p:spPr>
           <a:xfrm>
-            <a:off x="6428065" y="1909643"/>
-            <a:ext cx="2594967" cy="324445"/>
+            <a:off x="6466999" y="1824990"/>
+            <a:ext cx="2724269" cy="340519"/>
           </a:xfrm>
           <a:prstGeom prst="rect">
             <a:avLst/>
@@ -4317,22 +5070,22 @@
           <a:p>
             <a:pPr algn="l" indent="0" marL="0">
               <a:lnSpc>
-                <a:spcPts val="2550"/>
-              </a:lnSpc>
-              <a:buNone/>
-            </a:pPr>
-            <a:r>
-              <a:rPr lang="en-US" sz="2000" dirty="0">
-                <a:solidFill>
-                  <a:srgbClr val="404155"/>
-                </a:solidFill>
-                <a:latin typeface="Alexandria" pitchFamily="34" charset="0"/>
-                <a:ea typeface="Alexandria" pitchFamily="34" charset="-122"/>
-                <a:cs typeface="Alexandria" pitchFamily="34" charset="-120"/>
+                <a:spcPts val="2650"/>
+              </a:lnSpc>
+              <a:buNone/>
+            </a:pPr>
+            <a:r>
+              <a:rPr lang="en-US" sz="2100" dirty="0">
+                <a:solidFill>
+                  <a:srgbClr val="E0D6DE"/>
+                </a:solidFill>
+                <a:latin typeface="Anton" pitchFamily="34" charset="0"/>
+                <a:ea typeface="Anton" pitchFamily="34" charset="-122"/>
+                <a:cs typeface="Anton" pitchFamily="34" charset="-120"/>
               </a:rPr>
               <a:t>Ventana Principal</a:t>
             </a:r>
-            <a:endParaRPr lang="en-US" sz="2000" dirty="0"/>
+            <a:endParaRPr lang="en-US" sz="2100" dirty="0"/>
           </a:p>
         </p:txBody>
       </p:sp>
@@ -4344,8 +5097,8 @@
         </p:nvSpPr>
         <p:spPr>
           <a:xfrm>
-            <a:off x="6428065" y="2358628"/>
-            <a:ext cx="7260669" cy="664369"/>
+            <a:off x="6466999" y="2296239"/>
+            <a:ext cx="7182803" cy="697468"/>
           </a:xfrm>
           <a:prstGeom prst="rect">
             <a:avLst/>
@@ -4359,22 +5112,22 @@
           <a:p>
             <a:pPr algn="l" indent="0" marL="0">
               <a:lnSpc>
-                <a:spcPts val="2600"/>
-              </a:lnSpc>
-              <a:buNone/>
-            </a:pPr>
-            <a:r>
-              <a:rPr lang="en-US" sz="1600" dirty="0">
-                <a:solidFill>
-                  <a:srgbClr val="404155"/>
-                </a:solidFill>
-                <a:latin typeface="Nobile" pitchFamily="34" charset="0"/>
-                <a:ea typeface="Nobile" pitchFamily="34" charset="-122"/>
-                <a:cs typeface="Nobile" pitchFamily="34" charset="-120"/>
+                <a:spcPts val="2700"/>
+              </a:lnSpc>
+              <a:buNone/>
+            </a:pPr>
+            <a:r>
+              <a:rPr lang="en-US" sz="1700" dirty="0">
+                <a:solidFill>
+                  <a:srgbClr val="E0D6DE"/>
+                </a:solidFill>
+                <a:latin typeface="Fira Sans" pitchFamily="34" charset="0"/>
+                <a:ea typeface="Fira Sans" pitchFamily="34" charset="-122"/>
+                <a:cs typeface="Fira Sans" pitchFamily="34" charset="-120"/>
               </a:rPr>
               <a:t>Navega entre las diferentes secciones de la aplicación desde el menú central.</a:t>
             </a:r>
-            <a:endParaRPr lang="en-US" sz="1600" dirty="0"/>
+            <a:endParaRPr lang="en-US" sz="1700" dirty="0"/>
           </a:p>
         </p:txBody>
       </p:sp>
@@ -4386,23 +5139,18 @@
         </p:nvSpPr>
         <p:spPr>
           <a:xfrm>
-            <a:off x="6212919" y="3445669"/>
-            <a:ext cx="7690961" cy="1211461"/>
+            <a:off x="6249114" y="3429476"/>
+            <a:ext cx="7618571" cy="1255752"/>
           </a:xfrm>
           <a:prstGeom prst="roundRect">
             <a:avLst>
-              <a:gd name="adj" fmla="val 7197"/>
+              <a:gd name="adj" fmla="val 2603"/>
             </a:avLst>
           </a:prstGeom>
           <a:solidFill>
-            <a:srgbClr val="D2DDF9"/>
+            <a:srgbClr val="3E3E3E"/>
           </a:solidFill>
-          <a:ln w="7620">
-            <a:solidFill>
-              <a:srgbClr val="B8C3DF"/>
-            </a:solidFill>
-            <a:prstDash val="solid"/>
-          </a:ln>
+          <a:ln/>
         </p:spPr>
       </p:sp>
       <p:sp>
@@ -4413,8 +5161,8 @@
         </p:nvSpPr>
         <p:spPr>
           <a:xfrm>
-            <a:off x="6428065" y="3660815"/>
-            <a:ext cx="2594967" cy="324445"/>
+            <a:off x="6466999" y="3647361"/>
+            <a:ext cx="2724269" cy="340519"/>
           </a:xfrm>
           <a:prstGeom prst="rect">
             <a:avLst/>
@@ -4428,22 +5176,22 @@
           <a:p>
             <a:pPr algn="l" indent="0" marL="0">
               <a:lnSpc>
-                <a:spcPts val="2550"/>
-              </a:lnSpc>
-              <a:buNone/>
-            </a:pPr>
-            <a:r>
-              <a:rPr lang="en-US" sz="2000" dirty="0">
-                <a:solidFill>
-                  <a:srgbClr val="404155"/>
-                </a:solidFill>
-                <a:latin typeface="Alexandria" pitchFamily="34" charset="0"/>
-                <a:ea typeface="Alexandria" pitchFamily="34" charset="-122"/>
-                <a:cs typeface="Alexandria" pitchFamily="34" charset="-120"/>
+                <a:spcPts val="2650"/>
+              </a:lnSpc>
+              <a:buNone/>
+            </a:pPr>
+            <a:r>
+              <a:rPr lang="en-US" sz="2100" dirty="0">
+                <a:solidFill>
+                  <a:srgbClr val="E0D6DE"/>
+                </a:solidFill>
+                <a:latin typeface="Anton" pitchFamily="34" charset="0"/>
+                <a:ea typeface="Anton" pitchFamily="34" charset="-122"/>
+                <a:cs typeface="Anton" pitchFamily="34" charset="-120"/>
               </a:rPr>
               <a:t>Gestión de Eventos</a:t>
             </a:r>
-            <a:endParaRPr lang="en-US" sz="2000" dirty="0"/>
+            <a:endParaRPr lang="en-US" sz="2100" dirty="0"/>
           </a:p>
         </p:txBody>
       </p:sp>
@@ -4455,8 +5203,8 @@
         </p:nvSpPr>
         <p:spPr>
           <a:xfrm>
-            <a:off x="6428065" y="4109799"/>
-            <a:ext cx="7260669" cy="332184"/>
+            <a:off x="6466999" y="4118610"/>
+            <a:ext cx="7182803" cy="348734"/>
           </a:xfrm>
           <a:prstGeom prst="rect">
             <a:avLst/>
@@ -4470,22 +5218,22 @@
           <a:p>
             <a:pPr algn="l" indent="0" marL="0">
               <a:lnSpc>
-                <a:spcPts val="2600"/>
-              </a:lnSpc>
-              <a:buNone/>
-            </a:pPr>
-            <a:r>
-              <a:rPr lang="en-US" sz="1600" dirty="0">
-                <a:solidFill>
-                  <a:srgbClr val="404155"/>
-                </a:solidFill>
-                <a:latin typeface="Nobile" pitchFamily="34" charset="0"/>
-                <a:ea typeface="Nobile" pitchFamily="34" charset="-122"/>
-                <a:cs typeface="Nobile" pitchFamily="34" charset="-120"/>
+                <a:spcPts val="2700"/>
+              </a:lnSpc>
+              <a:buNone/>
+            </a:pPr>
+            <a:r>
+              <a:rPr lang="en-US" sz="1700" dirty="0">
+                <a:solidFill>
+                  <a:srgbClr val="E0D6DE"/>
+                </a:solidFill>
+                <a:latin typeface="Fira Sans" pitchFamily="34" charset="0"/>
+                <a:ea typeface="Fira Sans" pitchFamily="34" charset="-122"/>
+                <a:cs typeface="Fira Sans" pitchFamily="34" charset="-120"/>
               </a:rPr>
               <a:t>Crea, modifica y elimina eventos mediante formularios intuitivos.</a:t>
             </a:r>
-            <a:endParaRPr lang="en-US" sz="1600" dirty="0"/>
+            <a:endParaRPr lang="en-US" sz="1700" dirty="0"/>
           </a:p>
         </p:txBody>
       </p:sp>
@@ -4497,23 +5245,18 @@
         </p:nvSpPr>
         <p:spPr>
           <a:xfrm>
-            <a:off x="6212919" y="4864656"/>
-            <a:ext cx="7690961" cy="1211461"/>
+            <a:off x="6249114" y="4903113"/>
+            <a:ext cx="7618571" cy="1255752"/>
           </a:xfrm>
           <a:prstGeom prst="roundRect">
             <a:avLst>
-              <a:gd name="adj" fmla="val 7197"/>
+              <a:gd name="adj" fmla="val 2603"/>
             </a:avLst>
           </a:prstGeom>
           <a:solidFill>
-            <a:srgbClr val="D2DDF9"/>
+            <a:srgbClr val="3E3E3E"/>
           </a:solidFill>
-          <a:ln w="7620">
-            <a:solidFill>
-              <a:srgbClr val="B8C3DF"/>
-            </a:solidFill>
-            <a:prstDash val="solid"/>
-          </a:ln>
+          <a:ln/>
         </p:spPr>
       </p:sp>
       <p:sp>
@@ -4524,8 +5267,8 @@
         </p:nvSpPr>
         <p:spPr>
           <a:xfrm>
-            <a:off x="6428065" y="5079802"/>
-            <a:ext cx="2594967" cy="324445"/>
+            <a:off x="6466999" y="5120997"/>
+            <a:ext cx="2724269" cy="340519"/>
           </a:xfrm>
           <a:prstGeom prst="rect">
             <a:avLst/>
@@ -4539,22 +5282,22 @@
           <a:p>
             <a:pPr algn="l" indent="0" marL="0">
               <a:lnSpc>
-                <a:spcPts val="2550"/>
-              </a:lnSpc>
-              <a:buNone/>
-            </a:pPr>
-            <a:r>
-              <a:rPr lang="en-US" sz="2000" dirty="0">
-                <a:solidFill>
-                  <a:srgbClr val="404155"/>
-                </a:solidFill>
-                <a:latin typeface="Alexandria" pitchFamily="34" charset="0"/>
-                <a:ea typeface="Alexandria" pitchFamily="34" charset="-122"/>
-                <a:cs typeface="Alexandria" pitchFamily="34" charset="-120"/>
+                <a:spcPts val="2650"/>
+              </a:lnSpc>
+              <a:buNone/>
+            </a:pPr>
+            <a:r>
+              <a:rPr lang="en-US" sz="2100" dirty="0">
+                <a:solidFill>
+                  <a:srgbClr val="E0D6DE"/>
+                </a:solidFill>
+                <a:latin typeface="Anton" pitchFamily="34" charset="0"/>
+                <a:ea typeface="Anton" pitchFamily="34" charset="-122"/>
+                <a:cs typeface="Anton" pitchFamily="34" charset="-120"/>
               </a:rPr>
               <a:t>Venta de Entradas</a:t>
             </a:r>
-            <a:endParaRPr lang="en-US" sz="2000" dirty="0"/>
+            <a:endParaRPr lang="en-US" sz="2100" dirty="0"/>
           </a:p>
         </p:txBody>
       </p:sp>
@@ -4566,8 +5309,8 @@
         </p:nvSpPr>
         <p:spPr>
           <a:xfrm>
-            <a:off x="6428065" y="5528786"/>
-            <a:ext cx="7260669" cy="332184"/>
+            <a:off x="6466999" y="5592247"/>
+            <a:ext cx="7182803" cy="348734"/>
           </a:xfrm>
           <a:prstGeom prst="rect">
             <a:avLst/>
@@ -4581,22 +5324,22 @@
           <a:p>
             <a:pPr algn="l" indent="0" marL="0">
               <a:lnSpc>
-                <a:spcPts val="2600"/>
-              </a:lnSpc>
-              <a:buNone/>
-            </a:pPr>
-            <a:r>
-              <a:rPr lang="en-US" sz="1600" dirty="0">
-                <a:solidFill>
-                  <a:srgbClr val="404155"/>
-                </a:solidFill>
-                <a:latin typeface="Nobile" pitchFamily="34" charset="0"/>
-                <a:ea typeface="Nobile" pitchFamily="34" charset="-122"/>
-                <a:cs typeface="Nobile" pitchFamily="34" charset="-120"/>
+                <a:spcPts val="2700"/>
+              </a:lnSpc>
+              <a:buNone/>
+            </a:pPr>
+            <a:r>
+              <a:rPr lang="en-US" sz="1700" dirty="0">
+                <a:solidFill>
+                  <a:srgbClr val="E0D6DE"/>
+                </a:solidFill>
+                <a:latin typeface="Fira Sans" pitchFamily="34" charset="0"/>
+                <a:ea typeface="Fira Sans" pitchFamily="34" charset="-122"/>
+                <a:cs typeface="Fira Sans" pitchFamily="34" charset="-120"/>
               </a:rPr>
               <a:t>Registra ventas de entradas para eventos disponibles en el sistema.</a:t>
             </a:r>
-            <a:endParaRPr lang="en-US" sz="1600" dirty="0"/>
+            <a:endParaRPr lang="en-US" sz="1700" dirty="0"/>
           </a:p>
         </p:txBody>
       </p:sp>
@@ -4608,23 +5351,18 @@
         </p:nvSpPr>
         <p:spPr>
           <a:xfrm>
-            <a:off x="6212919" y="6283643"/>
-            <a:ext cx="7690961" cy="1211461"/>
+            <a:off x="6249114" y="6376749"/>
+            <a:ext cx="7618571" cy="1255752"/>
           </a:xfrm>
           <a:prstGeom prst="roundRect">
             <a:avLst>
-              <a:gd name="adj" fmla="val 7197"/>
+              <a:gd name="adj" fmla="val 2603"/>
             </a:avLst>
           </a:prstGeom>
           <a:solidFill>
-            <a:srgbClr val="D2DDF9"/>
+            <a:srgbClr val="3E3E3E"/>
           </a:solidFill>
-          <a:ln w="7620">
-            <a:solidFill>
-              <a:srgbClr val="B8C3DF"/>
-            </a:solidFill>
-            <a:prstDash val="solid"/>
-          </a:ln>
+          <a:ln/>
         </p:spPr>
       </p:sp>
       <p:sp>
@@ -4635,8 +5373,8 @@
         </p:nvSpPr>
         <p:spPr>
           <a:xfrm>
-            <a:off x="6428065" y="6498788"/>
-            <a:ext cx="2745938" cy="324445"/>
+            <a:off x="6466999" y="6594634"/>
+            <a:ext cx="2724269" cy="340519"/>
           </a:xfrm>
           <a:prstGeom prst="rect">
             <a:avLst/>
@@ -4650,20 +5388,327 @@
           <a:p>
             <a:pPr algn="l" indent="0" marL="0">
               <a:lnSpc>
+                <a:spcPts val="2650"/>
+              </a:lnSpc>
+              <a:buNone/>
+            </a:pPr>
+            <a:r>
+              <a:rPr lang="en-US" sz="2100" dirty="0">
+                <a:solidFill>
+                  <a:srgbClr val="E0D6DE"/>
+                </a:solidFill>
+                <a:latin typeface="Anton" pitchFamily="34" charset="0"/>
+                <a:ea typeface="Anton" pitchFamily="34" charset="-122"/>
+                <a:cs typeface="Anton" pitchFamily="34" charset="-120"/>
+              </a:rPr>
+              <a:t>Informes Estadísticos</a:t>
+            </a:r>
+            <a:endParaRPr lang="en-US" sz="2100" dirty="0"/>
+          </a:p>
+        </p:txBody>
+      </p:sp>
+      <p:sp>
+        <p:nvSpPr>
+          <p:cNvPr id="15" name="Text 12"/>
+          <p:cNvSpPr/>
+          <p:nvPr/>
+        </p:nvSpPr>
+        <p:spPr>
+          <a:xfrm>
+            <a:off x="6466999" y="7065883"/>
+            <a:ext cx="7182803" cy="348734"/>
+          </a:xfrm>
+          <a:prstGeom prst="rect">
+            <a:avLst/>
+          </a:prstGeom>
+          <a:noFill/>
+          <a:ln/>
+        </p:spPr>
+        <p:txBody>
+          <a:bodyPr wrap="none" lIns="0" tIns="0" rIns="0" bIns="0" rtlCol="0" anchor="t"/>
+          <a:lstStyle/>
+          <a:p>
+            <a:pPr algn="l" indent="0" marL="0">
+              <a:lnSpc>
+                <a:spcPts val="2700"/>
+              </a:lnSpc>
+              <a:buNone/>
+            </a:pPr>
+            <a:r>
+              <a:rPr lang="en-US" sz="1700" dirty="0">
+                <a:solidFill>
+                  <a:srgbClr val="E0D6DE"/>
+                </a:solidFill>
+                <a:latin typeface="Fira Sans" pitchFamily="34" charset="0"/>
+                <a:ea typeface="Fira Sans" pitchFamily="34" charset="-122"/>
+                <a:cs typeface="Fira Sans" pitchFamily="34" charset="-120"/>
+              </a:rPr>
+              <a:t>Consulta datos de ventas y asistencia mediante gráficos y t</a:t>
+            </a:r>
+            <a:endParaRPr lang="en-US" sz="1700" dirty="0"/>
+          </a:p>
+        </p:txBody>
+      </p:sp>
+    </p:spTree>
+  </p:cSld>
+  <p:clrMapOvr>
+    <a:masterClrMapping/>
+  </p:clrMapOvr>
+</p:sld>
+</file>
+
+<file path=ppt/slides/slide7.xml><?xml version="1.0" encoding="utf-8"?>
+<p:sld xmlns:a="http://schemas.openxmlformats.org/drawingml/2006/main" xmlns:r="http://schemas.openxmlformats.org/officeDocument/2006/relationships" xmlns:p="http://schemas.openxmlformats.org/presentationml/2006/main">
+  <p:cSld name="Slide 7">
+    <p:spTree>
+      <p:nvGrpSpPr>
+        <p:cNvPr id="1" name=""/>
+        <p:cNvGrpSpPr/>
+        <p:nvPr/>
+      </p:nvGrpSpPr>
+      <p:grpSpPr>
+        <a:xfrm>
+          <a:off x="0" y="0"/>
+          <a:ext cx="0" cy="0"/>
+          <a:chOff x="0" y="0"/>
+          <a:chExt cx="0" cy="0"/>
+        </a:xfrm>
+      </p:grpSpPr>
+      <p:pic>
+        <p:nvPicPr>
+          <p:cNvPr id="2" name="Image 0" descr="preencoded.png">    </p:cNvPr>
+          <p:cNvPicPr>
+            <a:picLocks noChangeAspect="1"/>
+          </p:cNvPicPr>
+          <p:nvPr/>
+        </p:nvPicPr>
+        <p:blipFill>
+          <a:blip r:embed="rId1"/>
+          <a:stretch>
+            <a:fillRect/>
+          </a:stretch>
+        </p:blipFill>
+        <p:spPr>
+          <a:xfrm>
+            <a:off x="0" y="0"/>
+            <a:ext cx="5486400" cy="8229600"/>
+          </a:xfrm>
+          <a:prstGeom prst="rect">
+            <a:avLst/>
+          </a:prstGeom>
+        </p:spPr>
+      </p:pic>
+      <p:sp>
+        <p:nvSpPr>
+          <p:cNvPr id="3" name="Text 0"/>
+          <p:cNvSpPr/>
+          <p:nvPr/>
+        </p:nvSpPr>
+        <p:spPr>
+          <a:xfrm>
+            <a:off x="6205061" y="565071"/>
+            <a:ext cx="5133499" cy="641747"/>
+          </a:xfrm>
+          <a:prstGeom prst="rect">
+            <a:avLst/>
+          </a:prstGeom>
+          <a:noFill/>
+          <a:ln/>
+        </p:spPr>
+        <p:txBody>
+          <a:bodyPr wrap="none" lIns="0" tIns="0" rIns="0" bIns="0" rtlCol="0" anchor="t"/>
+          <a:lstStyle/>
+          <a:p>
+            <a:pPr algn="l" indent="0" marL="0">
+              <a:lnSpc>
+                <a:spcPts val="5050"/>
+              </a:lnSpc>
+              <a:buNone/>
+            </a:pPr>
+            <a:r>
+              <a:rPr lang="en-US" sz="4000" dirty="0">
+                <a:solidFill>
+                  <a:srgbClr val="FA95AF"/>
+                </a:solidFill>
+                <a:latin typeface="Anton" pitchFamily="34" charset="0"/>
+                <a:ea typeface="Anton" pitchFamily="34" charset="-122"/>
+                <a:cs typeface="Anton" pitchFamily="34" charset="-120"/>
+              </a:rPr>
+              <a:t>Visión a Futuro</a:t>
+            </a:r>
+            <a:endParaRPr lang="en-US" sz="4000" dirty="0"/>
+          </a:p>
+        </p:txBody>
+      </p:sp>
+      <p:sp>
+        <p:nvSpPr>
+          <p:cNvPr id="4" name="Text 1"/>
+          <p:cNvSpPr/>
+          <p:nvPr/>
+        </p:nvSpPr>
+        <p:spPr>
+          <a:xfrm>
+            <a:off x="6205061" y="1514713"/>
+            <a:ext cx="7706678" cy="657225"/>
+          </a:xfrm>
+          <a:prstGeom prst="rect">
+            <a:avLst/>
+          </a:prstGeom>
+          <a:noFill/>
+          <a:ln/>
+        </p:spPr>
+        <p:txBody>
+          <a:bodyPr wrap="square" lIns="0" tIns="0" rIns="0" bIns="0" rtlCol="0" anchor="t"/>
+          <a:lstStyle/>
+          <a:p>
+            <a:pPr algn="l" indent="0" marL="0">
+              <a:lnSpc>
                 <a:spcPts val="2550"/>
               </a:lnSpc>
               <a:buNone/>
             </a:pPr>
             <a:r>
+              <a:rPr lang="en-US" sz="1600" dirty="0">
+                <a:solidFill>
+                  <a:srgbClr val="E0D6DE"/>
+                </a:solidFill>
+                <a:latin typeface="Fira Sans" pitchFamily="34" charset="0"/>
+                <a:ea typeface="Fira Sans" pitchFamily="34" charset="-122"/>
+                <a:cs typeface="Fira Sans" pitchFamily="34" charset="-120"/>
+              </a:rPr>
+              <a:t>EventManagerPro continúa evolucionando para satisfacer las necesidades del mercado de eventos.</a:t>
+            </a:r>
+            <a:endParaRPr lang="en-US" sz="1600" dirty="0"/>
+          </a:p>
+        </p:txBody>
+      </p:sp>
+      <p:sp>
+        <p:nvSpPr>
+          <p:cNvPr id="5" name="Shape 2"/>
+          <p:cNvSpPr/>
+          <p:nvPr/>
+        </p:nvSpPr>
+        <p:spPr>
+          <a:xfrm>
+            <a:off x="6436043" y="2402919"/>
+            <a:ext cx="22860" cy="5261491"/>
+          </a:xfrm>
+          <a:prstGeom prst="roundRect">
+            <a:avLst>
+              <a:gd name="adj" fmla="val 134740"/>
+            </a:avLst>
+          </a:prstGeom>
+          <a:solidFill>
+            <a:srgbClr val="575757"/>
+          </a:solidFill>
+          <a:ln/>
+        </p:spPr>
+      </p:sp>
+      <p:sp>
+        <p:nvSpPr>
+          <p:cNvPr id="6" name="Shape 3"/>
+          <p:cNvSpPr/>
+          <p:nvPr/>
+        </p:nvSpPr>
+        <p:spPr>
+          <a:xfrm>
+            <a:off x="6644164" y="2622471"/>
+            <a:ext cx="615910" cy="22860"/>
+          </a:xfrm>
+          <a:prstGeom prst="roundRect">
+            <a:avLst>
+              <a:gd name="adj" fmla="val 134740"/>
+            </a:avLst>
+          </a:prstGeom>
+          <a:solidFill>
+            <a:srgbClr val="575757"/>
+          </a:solidFill>
+          <a:ln/>
+        </p:spPr>
+      </p:sp>
+      <p:sp>
+        <p:nvSpPr>
+          <p:cNvPr id="7" name="Shape 4"/>
+          <p:cNvSpPr/>
+          <p:nvPr/>
+        </p:nvSpPr>
+        <p:spPr>
+          <a:xfrm>
+            <a:off x="6205061" y="2402919"/>
+            <a:ext cx="461963" cy="461963"/>
+          </a:xfrm>
+          <a:prstGeom prst="roundRect">
+            <a:avLst>
+              <a:gd name="adj" fmla="val 6668"/>
+            </a:avLst>
+          </a:prstGeom>
+          <a:solidFill>
+            <a:srgbClr val="3E3E3E"/>
+          </a:solidFill>
+          <a:ln/>
+        </p:spPr>
+      </p:sp>
+      <p:pic>
+        <p:nvPicPr>
+          <p:cNvPr id="8" name="Image 1" descr="preencoded.png">    </p:cNvPr>
+          <p:cNvPicPr>
+            <a:picLocks noChangeAspect="1"/>
+          </p:cNvPicPr>
+          <p:nvPr/>
+        </p:nvPicPr>
+        <p:blipFill>
+          <a:blip r:embed="rId2"/>
+          <a:stretch>
+            <a:fillRect/>
+          </a:stretch>
+        </p:blipFill>
+        <p:spPr>
+          <a:xfrm>
+            <a:off x="6282095" y="2441436"/>
+            <a:ext cx="307896" cy="384929"/>
+          </a:xfrm>
+          <a:prstGeom prst="rect">
+            <a:avLst/>
+          </a:prstGeom>
+        </p:spPr>
+      </p:pic>
+      <p:sp>
+        <p:nvSpPr>
+          <p:cNvPr id="9" name="Text 5"/>
+          <p:cNvSpPr/>
+          <p:nvPr/>
+        </p:nvSpPr>
+        <p:spPr>
+          <a:xfrm>
+            <a:off x="7462718" y="2473404"/>
+            <a:ext cx="2566749" cy="320873"/>
+          </a:xfrm>
+          <a:prstGeom prst="rect">
+            <a:avLst/>
+          </a:prstGeom>
+          <a:noFill/>
+          <a:ln/>
+        </p:spPr>
+        <p:txBody>
+          <a:bodyPr wrap="none" lIns="0" tIns="0" rIns="0" bIns="0" rtlCol="0" anchor="t"/>
+          <a:lstStyle/>
+          <a:p>
+            <a:pPr algn="l" indent="0" marL="0">
+              <a:lnSpc>
+                <a:spcPts val="2500"/>
+              </a:lnSpc>
+              <a:buNone/>
+            </a:pPr>
+            <a:r>
               <a:rPr lang="en-US" sz="2000" dirty="0">
                 <a:solidFill>
-                  <a:srgbClr val="404155"/>
-                </a:solidFill>
-                <a:latin typeface="Alexandria" pitchFamily="34" charset="0"/>
-                <a:ea typeface="Alexandria" pitchFamily="34" charset="-122"/>
-                <a:cs typeface="Alexandria" pitchFamily="34" charset="-120"/>
-              </a:rPr>
-              <a:t>Informes Estadísticos</a:t>
+                  <a:srgbClr val="E0D6DE"/>
+                </a:solidFill>
+                <a:latin typeface="Anton" pitchFamily="34" charset="0"/>
+                <a:ea typeface="Anton" pitchFamily="34" charset="-122"/>
+                <a:cs typeface="Anton" pitchFamily="34" charset="-120"/>
+              </a:rPr>
+              <a:t>Aplicación Móvil</a:t>
             </a:r>
             <a:endParaRPr lang="en-US" sz="2000" dirty="0"/>
           </a:p>
@@ -4671,14 +5716,124 @@
       </p:sp>
       <p:sp>
         <p:nvSpPr>
-          <p:cNvPr id="15" name="Text 12"/>
-          <p:cNvSpPr/>
-          <p:nvPr/>
-        </p:nvSpPr>
-        <p:spPr>
-          <a:xfrm>
-            <a:off x="6428065" y="6947773"/>
-            <a:ext cx="7260669" cy="332184"/>
+          <p:cNvPr id="10" name="Text 6"/>
+          <p:cNvSpPr/>
+          <p:nvPr/>
+        </p:nvSpPr>
+        <p:spPr>
+          <a:xfrm>
+            <a:off x="7462718" y="2917388"/>
+            <a:ext cx="6449020" cy="657225"/>
+          </a:xfrm>
+          <a:prstGeom prst="rect">
+            <a:avLst/>
+          </a:prstGeom>
+          <a:noFill/>
+          <a:ln/>
+        </p:spPr>
+        <p:txBody>
+          <a:bodyPr wrap="square" lIns="0" tIns="0" rIns="0" bIns="0" rtlCol="0" anchor="t"/>
+          <a:lstStyle/>
+          <a:p>
+            <a:pPr algn="l" indent="0" marL="0">
+              <a:lnSpc>
+                <a:spcPts val="2550"/>
+              </a:lnSpc>
+              <a:buNone/>
+            </a:pPr>
+            <a:r>
+              <a:rPr lang="en-US" sz="1600" dirty="0">
+                <a:solidFill>
+                  <a:srgbClr val="E0D6DE"/>
+                </a:solidFill>
+                <a:latin typeface="Fira Sans" pitchFamily="34" charset="0"/>
+                <a:ea typeface="Fira Sans" pitchFamily="34" charset="-122"/>
+                <a:cs typeface="Fira Sans" pitchFamily="34" charset="-120"/>
+              </a:rPr>
+              <a:t>Desarrollo de versión para smartphones con escaneo de entradas y notificaciones.</a:t>
+            </a:r>
+            <a:endParaRPr lang="en-US" sz="1600" dirty="0"/>
+          </a:p>
+        </p:txBody>
+      </p:sp>
+      <p:sp>
+        <p:nvSpPr>
+          <p:cNvPr id="11" name="Shape 7"/>
+          <p:cNvSpPr/>
+          <p:nvPr/>
+        </p:nvSpPr>
+        <p:spPr>
+          <a:xfrm>
+            <a:off x="6644164" y="4204811"/>
+            <a:ext cx="615910" cy="22860"/>
+          </a:xfrm>
+          <a:prstGeom prst="roundRect">
+            <a:avLst>
+              <a:gd name="adj" fmla="val 134740"/>
+            </a:avLst>
+          </a:prstGeom>
+          <a:solidFill>
+            <a:srgbClr val="575757"/>
+          </a:solidFill>
+          <a:ln/>
+        </p:spPr>
+      </p:sp>
+      <p:sp>
+        <p:nvSpPr>
+          <p:cNvPr id="12" name="Shape 8"/>
+          <p:cNvSpPr/>
+          <p:nvPr/>
+        </p:nvSpPr>
+        <p:spPr>
+          <a:xfrm>
+            <a:off x="6205061" y="3985260"/>
+            <a:ext cx="461963" cy="461963"/>
+          </a:xfrm>
+          <a:prstGeom prst="roundRect">
+            <a:avLst>
+              <a:gd name="adj" fmla="val 6668"/>
+            </a:avLst>
+          </a:prstGeom>
+          <a:solidFill>
+            <a:srgbClr val="3E3E3E"/>
+          </a:solidFill>
+          <a:ln/>
+        </p:spPr>
+      </p:sp>
+      <p:pic>
+        <p:nvPicPr>
+          <p:cNvPr id="13" name="Image 2" descr="preencoded.png">    </p:cNvPr>
+          <p:cNvPicPr>
+            <a:picLocks noChangeAspect="1"/>
+          </p:cNvPicPr>
+          <p:nvPr/>
+        </p:nvPicPr>
+        <p:blipFill>
+          <a:blip r:embed="rId3"/>
+          <a:stretch>
+            <a:fillRect/>
+          </a:stretch>
+        </p:blipFill>
+        <p:spPr>
+          <a:xfrm>
+            <a:off x="6282095" y="4023777"/>
+            <a:ext cx="307896" cy="384929"/>
+          </a:xfrm>
+          <a:prstGeom prst="rect">
+            <a:avLst/>
+          </a:prstGeom>
+        </p:spPr>
+      </p:pic>
+      <p:sp>
+        <p:nvSpPr>
+          <p:cNvPr id="14" name="Text 9"/>
+          <p:cNvSpPr/>
+          <p:nvPr/>
+        </p:nvSpPr>
+        <p:spPr>
+          <a:xfrm>
+            <a:off x="7462718" y="4055745"/>
+            <a:ext cx="2566749" cy="320873"/>
           </a:xfrm>
           <a:prstGeom prst="rect">
             <a:avLst/>
@@ -4692,20 +5847,366 @@
           <a:p>
             <a:pPr algn="l" indent="0" marL="0">
               <a:lnSpc>
-                <a:spcPts val="2600"/>
+                <a:spcPts val="2500"/>
+              </a:lnSpc>
+              <a:buNone/>
+            </a:pPr>
+            <a:r>
+              <a:rPr lang="en-US" sz="2000" dirty="0">
+                <a:solidFill>
+                  <a:srgbClr val="E0D6DE"/>
+                </a:solidFill>
+                <a:latin typeface="Anton" pitchFamily="34" charset="0"/>
+                <a:ea typeface="Anton" pitchFamily="34" charset="-122"/>
+                <a:cs typeface="Anton" pitchFamily="34" charset="-120"/>
+              </a:rPr>
+              <a:t>Exportación avanzada</a:t>
+            </a:r>
+            <a:endParaRPr lang="en-US" sz="2000" dirty="0"/>
+          </a:p>
+        </p:txBody>
+      </p:sp>
+      <p:sp>
+        <p:nvSpPr>
+          <p:cNvPr id="15" name="Text 10"/>
+          <p:cNvSpPr/>
+          <p:nvPr/>
+        </p:nvSpPr>
+        <p:spPr>
+          <a:xfrm>
+            <a:off x="7462718" y="4499729"/>
+            <a:ext cx="6449020" cy="328613"/>
+          </a:xfrm>
+          <a:prstGeom prst="rect">
+            <a:avLst/>
+          </a:prstGeom>
+          <a:noFill/>
+          <a:ln/>
+        </p:spPr>
+        <p:txBody>
+          <a:bodyPr wrap="none" lIns="0" tIns="0" rIns="0" bIns="0" rtlCol="0" anchor="t"/>
+          <a:lstStyle/>
+          <a:p>
+            <a:pPr algn="l" indent="0" marL="0">
+              <a:lnSpc>
+                <a:spcPts val="2550"/>
               </a:lnSpc>
               <a:buNone/>
             </a:pPr>
             <a:r>
               <a:rPr lang="en-US" sz="1600" dirty="0">
                 <a:solidFill>
-                  <a:srgbClr val="404155"/>
-                </a:solidFill>
-                <a:latin typeface="Nobile" pitchFamily="34" charset="0"/>
-                <a:ea typeface="Nobile" pitchFamily="34" charset="-122"/>
-                <a:cs typeface="Nobile" pitchFamily="34" charset="-120"/>
-              </a:rPr>
-              <a:t>Consulta datos de ventas y asistencia mediante gráficos y tablas.</a:t>
+                  <a:srgbClr val="E0D6DE"/>
+                </a:solidFill>
+                <a:latin typeface="Fira Sans" pitchFamily="34" charset="0"/>
+                <a:ea typeface="Fira Sans" pitchFamily="34" charset="-122"/>
+                <a:cs typeface="Fira Sans" pitchFamily="34" charset="-120"/>
+              </a:rPr>
+              <a:t>Informes en PDF y Excel</a:t>
+            </a:r>
+            <a:endParaRPr lang="en-US" sz="1600" dirty="0"/>
+          </a:p>
+        </p:txBody>
+      </p:sp>
+      <p:sp>
+        <p:nvSpPr>
+          <p:cNvPr id="16" name="Shape 11"/>
+          <p:cNvSpPr/>
+          <p:nvPr/>
+        </p:nvSpPr>
+        <p:spPr>
+          <a:xfrm>
+            <a:off x="6644164" y="5458539"/>
+            <a:ext cx="615910" cy="22860"/>
+          </a:xfrm>
+          <a:prstGeom prst="roundRect">
+            <a:avLst>
+              <a:gd name="adj" fmla="val 134740"/>
+            </a:avLst>
+          </a:prstGeom>
+          <a:solidFill>
+            <a:srgbClr val="575757"/>
+          </a:solidFill>
+          <a:ln/>
+        </p:spPr>
+      </p:sp>
+      <p:sp>
+        <p:nvSpPr>
+          <p:cNvPr id="17" name="Shape 12"/>
+          <p:cNvSpPr/>
+          <p:nvPr/>
+        </p:nvSpPr>
+        <p:spPr>
+          <a:xfrm>
+            <a:off x="6205061" y="5238988"/>
+            <a:ext cx="461963" cy="461963"/>
+          </a:xfrm>
+          <a:prstGeom prst="roundRect">
+            <a:avLst>
+              <a:gd name="adj" fmla="val 6668"/>
+            </a:avLst>
+          </a:prstGeom>
+          <a:solidFill>
+            <a:srgbClr val="3E3E3E"/>
+          </a:solidFill>
+          <a:ln/>
+        </p:spPr>
+      </p:sp>
+      <p:pic>
+        <p:nvPicPr>
+          <p:cNvPr id="18" name="Image 3" descr="preencoded.png">    </p:cNvPr>
+          <p:cNvPicPr>
+            <a:picLocks noChangeAspect="1"/>
+          </p:cNvPicPr>
+          <p:nvPr/>
+        </p:nvPicPr>
+        <p:blipFill>
+          <a:blip r:embed="rId4"/>
+          <a:stretch>
+            <a:fillRect/>
+          </a:stretch>
+        </p:blipFill>
+        <p:spPr>
+          <a:xfrm>
+            <a:off x="6282095" y="5277505"/>
+            <a:ext cx="307896" cy="384929"/>
+          </a:xfrm>
+          <a:prstGeom prst="rect">
+            <a:avLst/>
+          </a:prstGeom>
+        </p:spPr>
+      </p:pic>
+      <p:sp>
+        <p:nvSpPr>
+          <p:cNvPr id="19" name="Text 13"/>
+          <p:cNvSpPr/>
+          <p:nvPr/>
+        </p:nvSpPr>
+        <p:spPr>
+          <a:xfrm>
+            <a:off x="7462718" y="5309473"/>
+            <a:ext cx="2566749" cy="320873"/>
+          </a:xfrm>
+          <a:prstGeom prst="rect">
+            <a:avLst/>
+          </a:prstGeom>
+          <a:noFill/>
+          <a:ln/>
+        </p:spPr>
+        <p:txBody>
+          <a:bodyPr wrap="none" lIns="0" tIns="0" rIns="0" bIns="0" rtlCol="0" anchor="t"/>
+          <a:lstStyle/>
+          <a:p>
+            <a:pPr algn="l" indent="0" marL="0">
+              <a:lnSpc>
+                <a:spcPts val="2500"/>
+              </a:lnSpc>
+              <a:buNone/>
+            </a:pPr>
+            <a:r>
+              <a:rPr lang="en-US" sz="2000" dirty="0">
+                <a:solidFill>
+                  <a:srgbClr val="E0D6DE"/>
+                </a:solidFill>
+                <a:latin typeface="Anton" pitchFamily="34" charset="0"/>
+                <a:ea typeface="Anton" pitchFamily="34" charset="-122"/>
+                <a:cs typeface="Anton" pitchFamily="34" charset="-120"/>
+              </a:rPr>
+              <a:t>Migración web</a:t>
+            </a:r>
+            <a:endParaRPr lang="en-US" sz="2000" dirty="0"/>
+          </a:p>
+        </p:txBody>
+      </p:sp>
+      <p:sp>
+        <p:nvSpPr>
+          <p:cNvPr id="20" name="Text 14"/>
+          <p:cNvSpPr/>
+          <p:nvPr/>
+        </p:nvSpPr>
+        <p:spPr>
+          <a:xfrm>
+            <a:off x="7462718" y="5753457"/>
+            <a:ext cx="6449020" cy="328613"/>
+          </a:xfrm>
+          <a:prstGeom prst="rect">
+            <a:avLst/>
+          </a:prstGeom>
+          <a:noFill/>
+          <a:ln/>
+        </p:spPr>
+        <p:txBody>
+          <a:bodyPr wrap="none" lIns="0" tIns="0" rIns="0" bIns="0" rtlCol="0" anchor="t"/>
+          <a:lstStyle/>
+          <a:p>
+            <a:pPr algn="l" indent="0" marL="0">
+              <a:lnSpc>
+                <a:spcPts val="2550"/>
+              </a:lnSpc>
+              <a:buNone/>
+            </a:pPr>
+            <a:r>
+              <a:rPr lang="en-US" sz="1600" dirty="0">
+                <a:solidFill>
+                  <a:srgbClr val="E0D6DE"/>
+                </a:solidFill>
+                <a:latin typeface="Fira Sans" pitchFamily="34" charset="0"/>
+                <a:ea typeface="Fira Sans" pitchFamily="34" charset="-122"/>
+                <a:cs typeface="Fira Sans" pitchFamily="34" charset="-120"/>
+              </a:rPr>
+              <a:t>Implementación con Spring Boot</a:t>
+            </a:r>
+            <a:endParaRPr lang="en-US" sz="1600" dirty="0"/>
+          </a:p>
+        </p:txBody>
+      </p:sp>
+      <p:sp>
+        <p:nvSpPr>
+          <p:cNvPr id="21" name="Shape 15"/>
+          <p:cNvSpPr/>
+          <p:nvPr/>
+        </p:nvSpPr>
+        <p:spPr>
+          <a:xfrm>
+            <a:off x="6644164" y="6712268"/>
+            <a:ext cx="615910" cy="22860"/>
+          </a:xfrm>
+          <a:prstGeom prst="roundRect">
+            <a:avLst>
+              <a:gd name="adj" fmla="val 134740"/>
+            </a:avLst>
+          </a:prstGeom>
+          <a:solidFill>
+            <a:srgbClr val="575757"/>
+          </a:solidFill>
+          <a:ln/>
+        </p:spPr>
+      </p:sp>
+      <p:sp>
+        <p:nvSpPr>
+          <p:cNvPr id="22" name="Shape 16"/>
+          <p:cNvSpPr/>
+          <p:nvPr/>
+        </p:nvSpPr>
+        <p:spPr>
+          <a:xfrm>
+            <a:off x="6205061" y="6492716"/>
+            <a:ext cx="461963" cy="461963"/>
+          </a:xfrm>
+          <a:prstGeom prst="roundRect">
+            <a:avLst>
+              <a:gd name="adj" fmla="val 6668"/>
+            </a:avLst>
+          </a:prstGeom>
+          <a:solidFill>
+            <a:srgbClr val="3E3E3E"/>
+          </a:solidFill>
+          <a:ln/>
+        </p:spPr>
+      </p:sp>
+      <p:pic>
+        <p:nvPicPr>
+          <p:cNvPr id="23" name="Image 4" descr="preencoded.png">    </p:cNvPr>
+          <p:cNvPicPr>
+            <a:picLocks noChangeAspect="1"/>
+          </p:cNvPicPr>
+          <p:nvPr/>
+        </p:nvPicPr>
+        <p:blipFill>
+          <a:blip r:embed="rId5"/>
+          <a:stretch>
+            <a:fillRect/>
+          </a:stretch>
+        </p:blipFill>
+        <p:spPr>
+          <a:xfrm>
+            <a:off x="6282095" y="6531233"/>
+            <a:ext cx="307896" cy="384929"/>
+          </a:xfrm>
+          <a:prstGeom prst="rect">
+            <a:avLst/>
+          </a:prstGeom>
+        </p:spPr>
+      </p:pic>
+      <p:sp>
+        <p:nvSpPr>
+          <p:cNvPr id="24" name="Text 17"/>
+          <p:cNvSpPr/>
+          <p:nvPr/>
+        </p:nvSpPr>
+        <p:spPr>
+          <a:xfrm>
+            <a:off x="7462718" y="6563201"/>
+            <a:ext cx="2566749" cy="320873"/>
+          </a:xfrm>
+          <a:prstGeom prst="rect">
+            <a:avLst/>
+          </a:prstGeom>
+          <a:noFill/>
+          <a:ln/>
+        </p:spPr>
+        <p:txBody>
+          <a:bodyPr wrap="none" lIns="0" tIns="0" rIns="0" bIns="0" rtlCol="0" anchor="t"/>
+          <a:lstStyle/>
+          <a:p>
+            <a:pPr algn="l" indent="0" marL="0">
+              <a:lnSpc>
+                <a:spcPts val="2500"/>
+              </a:lnSpc>
+              <a:buNone/>
+            </a:pPr>
+            <a:r>
+              <a:rPr lang="en-US" sz="2000" dirty="0">
+                <a:solidFill>
+                  <a:srgbClr val="E0D6DE"/>
+                </a:solidFill>
+                <a:latin typeface="Anton" pitchFamily="34" charset="0"/>
+                <a:ea typeface="Anton" pitchFamily="34" charset="-122"/>
+                <a:cs typeface="Anton" pitchFamily="34" charset="-120"/>
+              </a:rPr>
+              <a:t>Entradas Digitales</a:t>
+            </a:r>
+            <a:endParaRPr lang="en-US" sz="2000" dirty="0"/>
+          </a:p>
+        </p:txBody>
+      </p:sp>
+      <p:sp>
+        <p:nvSpPr>
+          <p:cNvPr id="25" name="Text 18"/>
+          <p:cNvSpPr/>
+          <p:nvPr/>
+        </p:nvSpPr>
+        <p:spPr>
+          <a:xfrm>
+            <a:off x="7462718" y="7007185"/>
+            <a:ext cx="6449020" cy="657225"/>
+          </a:xfrm>
+          <a:prstGeom prst="rect">
+            <a:avLst/>
+          </a:prstGeom>
+          <a:noFill/>
+          <a:ln/>
+        </p:spPr>
+        <p:txBody>
+          <a:bodyPr wrap="square" lIns="0" tIns="0" rIns="0" bIns="0" rtlCol="0" anchor="t"/>
+          <a:lstStyle/>
+          <a:p>
+            <a:pPr algn="l" indent="0" marL="0">
+              <a:lnSpc>
+                <a:spcPts val="2550"/>
+              </a:lnSpc>
+              <a:buNone/>
+            </a:pPr>
+            <a:r>
+              <a:rPr lang="en-US" sz="1600" dirty="0">
+                <a:solidFill>
+                  <a:srgbClr val="E0D6DE"/>
+                </a:solidFill>
+                <a:latin typeface="Fira Sans" pitchFamily="34" charset="0"/>
+                <a:ea typeface="Fira Sans" pitchFamily="34" charset="-122"/>
+                <a:cs typeface="Fira Sans" pitchFamily="34" charset="-120"/>
+              </a:rPr>
+              <a:t>Sistema de códigos QR y entradas virtuales para reducir uso de papel.</a:t>
             </a:r>
             <a:endParaRPr lang="en-US" sz="1600" dirty="0"/>
           </a:p>
